--- a/doc/599-final-project.pptx
+++ b/doc/599-final-project.pptx
@@ -110,6 +110,11 @@
       </a:defRPr>
     </a:lvl9pPr>
   </p:defaultTextStyle>
+  <p:extLst>
+    <p:ext uri="{EFAFB233-063F-42B5-8137-9DF3F51BA10A}">
+      <p15:sldGuideLst xmlns:p15="http://schemas.microsoft.com/office/powerpoint/2012/main"/>
+    </p:ext>
+  </p:extLst>
 </p:presentation>
 </file>
 
@@ -5516,6 +5521,7 @@
           </a:bodyPr>
           <a:lstStyle/>
           <a:p>
+            <a:pPr algn="ctr"/>
             <a:r>
               <a:rPr lang="en-US" dirty="0">
                 <a:latin typeface="Times New Roman" panose="02020603050405020304" pitchFamily="18" charset="0"/>
@@ -5555,7 +5561,7 @@
         <p:spPr>
           <a:xfrm>
             <a:off x="6107833" y="6383087"/>
-            <a:ext cx="4382060" cy="369332"/>
+            <a:ext cx="4696988" cy="369332"/>
           </a:xfrm>
           <a:prstGeom prst="rect">
             <a:avLst/>
@@ -5568,6 +5574,7 @@
           </a:bodyPr>
           <a:lstStyle/>
           <a:p>
+            <a:pPr algn="ctr"/>
             <a:r>
               <a:rPr lang="en-US" dirty="0">
                 <a:latin typeface="Times New Roman" panose="02020603050405020304" pitchFamily="18" charset="0"/>
@@ -5587,7 +5594,7 @@
                 <a:latin typeface="Times New Roman" panose="02020603050405020304" pitchFamily="18" charset="0"/>
                 <a:cs typeface="Times New Roman" panose="02020603050405020304" pitchFamily="18" charset="0"/>
               </a:rPr>
-              <a:t>  with multiple objective.</a:t>
+              <a:t>  with multiple objectives.</a:t>
             </a:r>
           </a:p>
         </p:txBody>

--- a/doc/599-final-project.pptx
+++ b/doc/599-final-project.pptx
@@ -6,11 +6,11 @@
   </p:sldMasterIdLst>
   <p:sldIdLst>
     <p:sldId id="256" r:id="rId2"/>
-    <p:sldId id="257" r:id="rId3"/>
-    <p:sldId id="258" r:id="rId4"/>
-    <p:sldId id="259" r:id="rId5"/>
-    <p:sldId id="260" r:id="rId6"/>
-    <p:sldId id="261" r:id="rId7"/>
+    <p:sldId id="259" r:id="rId3"/>
+    <p:sldId id="260" r:id="rId4"/>
+    <p:sldId id="258" r:id="rId5"/>
+    <p:sldId id="261" r:id="rId6"/>
+    <p:sldId id="257" r:id="rId7"/>
     <p:sldId id="262" r:id="rId8"/>
   </p:sldIdLst>
   <p:sldSz cx="12192000" cy="6858000"/>
@@ -265,7 +265,7 @@
           <a:p>
             <a:fld id="{7616A53B-CA84-BE43-9C46-3B4F02D7A3D8}" type="datetimeFigureOut">
               <a:rPr lang="en-US" smtClean="0"/>
-              <a:t>4/18/20</a:t>
+              <a:t>4/21/20</a:t>
             </a:fld>
             <a:endParaRPr lang="en-US"/>
           </a:p>
@@ -463,7 +463,7 @@
           <a:p>
             <a:fld id="{7616A53B-CA84-BE43-9C46-3B4F02D7A3D8}" type="datetimeFigureOut">
               <a:rPr lang="en-US" smtClean="0"/>
-              <a:t>4/18/20</a:t>
+              <a:t>4/21/20</a:t>
             </a:fld>
             <a:endParaRPr lang="en-US"/>
           </a:p>
@@ -671,7 +671,7 @@
           <a:p>
             <a:fld id="{7616A53B-CA84-BE43-9C46-3B4F02D7A3D8}" type="datetimeFigureOut">
               <a:rPr lang="en-US" smtClean="0"/>
-              <a:t>4/18/20</a:t>
+              <a:t>4/21/20</a:t>
             </a:fld>
             <a:endParaRPr lang="en-US"/>
           </a:p>
@@ -869,7 +869,7 @@
           <a:p>
             <a:fld id="{7616A53B-CA84-BE43-9C46-3B4F02D7A3D8}" type="datetimeFigureOut">
               <a:rPr lang="en-US" smtClean="0"/>
-              <a:t>4/18/20</a:t>
+              <a:t>4/21/20</a:t>
             </a:fld>
             <a:endParaRPr lang="en-US"/>
           </a:p>
@@ -1144,7 +1144,7 @@
           <a:p>
             <a:fld id="{7616A53B-CA84-BE43-9C46-3B4F02D7A3D8}" type="datetimeFigureOut">
               <a:rPr lang="en-US" smtClean="0"/>
-              <a:t>4/18/20</a:t>
+              <a:t>4/21/20</a:t>
             </a:fld>
             <a:endParaRPr lang="en-US"/>
           </a:p>
@@ -1409,7 +1409,7 @@
           <a:p>
             <a:fld id="{7616A53B-CA84-BE43-9C46-3B4F02D7A3D8}" type="datetimeFigureOut">
               <a:rPr lang="en-US" smtClean="0"/>
-              <a:t>4/18/20</a:t>
+              <a:t>4/21/20</a:t>
             </a:fld>
             <a:endParaRPr lang="en-US"/>
           </a:p>
@@ -1821,7 +1821,7 @@
           <a:p>
             <a:fld id="{7616A53B-CA84-BE43-9C46-3B4F02D7A3D8}" type="datetimeFigureOut">
               <a:rPr lang="en-US" smtClean="0"/>
-              <a:t>4/18/20</a:t>
+              <a:t>4/21/20</a:t>
             </a:fld>
             <a:endParaRPr lang="en-US"/>
           </a:p>
@@ -1962,7 +1962,7 @@
           <a:p>
             <a:fld id="{7616A53B-CA84-BE43-9C46-3B4F02D7A3D8}" type="datetimeFigureOut">
               <a:rPr lang="en-US" smtClean="0"/>
-              <a:t>4/18/20</a:t>
+              <a:t>4/21/20</a:t>
             </a:fld>
             <a:endParaRPr lang="en-US"/>
           </a:p>
@@ -2075,7 +2075,7 @@
           <a:p>
             <a:fld id="{7616A53B-CA84-BE43-9C46-3B4F02D7A3D8}" type="datetimeFigureOut">
               <a:rPr lang="en-US" smtClean="0"/>
-              <a:t>4/18/20</a:t>
+              <a:t>4/21/20</a:t>
             </a:fld>
             <a:endParaRPr lang="en-US"/>
           </a:p>
@@ -2386,7 +2386,7 @@
           <a:p>
             <a:fld id="{7616A53B-CA84-BE43-9C46-3B4F02D7A3D8}" type="datetimeFigureOut">
               <a:rPr lang="en-US" smtClean="0"/>
-              <a:t>4/18/20</a:t>
+              <a:t>4/21/20</a:t>
             </a:fld>
             <a:endParaRPr lang="en-US"/>
           </a:p>
@@ -2674,7 +2674,7 @@
           <a:p>
             <a:fld id="{7616A53B-CA84-BE43-9C46-3B4F02D7A3D8}" type="datetimeFigureOut">
               <a:rPr lang="en-US" smtClean="0"/>
-              <a:t>4/18/20</a:t>
+              <a:t>4/21/20</a:t>
             </a:fld>
             <a:endParaRPr lang="en-US"/>
           </a:p>
@@ -2915,7 +2915,7 @@
           <a:p>
             <a:fld id="{7616A53B-CA84-BE43-9C46-3B4F02D7A3D8}" type="datetimeFigureOut">
               <a:rPr lang="en-US" smtClean="0"/>
-              <a:t>4/18/20</a:t>
+              <a:t>4/21/20</a:t>
             </a:fld>
             <a:endParaRPr lang="en-US"/>
           </a:p>
@@ -3442,86 +3442,6 @@
           </a:p>
         </p:txBody>
       </p:sp>
-      <p:sp>
-        <p:nvSpPr>
-          <p:cNvPr id="4" name="Rectangle 3">
-            <a:extLst>
-              <a:ext uri="{FF2B5EF4-FFF2-40B4-BE49-F238E27FC236}">
-                <a16:creationId xmlns:a16="http://schemas.microsoft.com/office/drawing/2014/main" id="{EDA181C0-2EC4-2041-8CAF-694753D5EEB9}"/>
-              </a:ext>
-            </a:extLst>
-          </p:cNvPr>
-          <p:cNvSpPr/>
-          <p:nvPr/>
-        </p:nvSpPr>
-        <p:spPr>
-          <a:xfrm>
-            <a:off x="3686750" y="3244334"/>
-            <a:ext cx="4818499" cy="369332"/>
-          </a:xfrm>
-          <a:prstGeom prst="rect">
-            <a:avLst/>
-          </a:prstGeom>
-        </p:spPr>
-        <p:txBody>
-          <a:bodyPr wrap="none">
-            <a:spAutoFit/>
-          </a:bodyPr>
-          <a:lstStyle/>
-          <a:p>
-            <a:r>
-              <a:rPr lang="en-US" b="0" i="0" dirty="0">
-                <a:effectLst/>
-                <a:latin typeface="Arial" panose="020B0604020202020204" pitchFamily="34" charset="0"/>
-              </a:rPr>
-              <a:t>ang Zhang, </a:t>
-            </a:r>
-            <a:r>
-              <a:rPr lang="en-US" b="0" i="0" dirty="0" err="1">
-                <a:effectLst/>
-                <a:latin typeface="Arial" panose="020B0604020202020204" pitchFamily="34" charset="0"/>
-              </a:rPr>
-              <a:t>Zhongxuan</a:t>
-            </a:r>
-            <a:r>
-              <a:rPr lang="en-US" b="0" i="0" dirty="0">
-                <a:effectLst/>
-                <a:latin typeface="Arial" panose="020B0604020202020204" pitchFamily="34" charset="0"/>
-              </a:rPr>
-              <a:t> </a:t>
-            </a:r>
-            <a:r>
-              <a:rPr lang="en-US" b="0" i="0" dirty="0" err="1">
-                <a:effectLst/>
-                <a:latin typeface="Arial" panose="020B0604020202020204" pitchFamily="34" charset="0"/>
-              </a:rPr>
-              <a:t>Ruan</a:t>
-            </a:r>
-            <a:r>
-              <a:rPr lang="en-US" b="0" i="0" dirty="0">
-                <a:effectLst/>
-                <a:latin typeface="Arial" panose="020B0604020202020204" pitchFamily="34" charset="0"/>
-              </a:rPr>
-              <a:t>, </a:t>
-            </a:r>
-            <a:r>
-              <a:rPr lang="en-US" b="0" i="0" dirty="0" err="1">
-                <a:effectLst/>
-                <a:latin typeface="Arial" panose="020B0604020202020204" pitchFamily="34" charset="0"/>
-              </a:rPr>
-              <a:t>Mengwei</a:t>
-            </a:r>
-            <a:r>
-              <a:rPr lang="en-US" b="0" i="0" dirty="0">
-                <a:effectLst/>
-                <a:latin typeface="Arial" panose="020B0604020202020204" pitchFamily="34" charset="0"/>
-              </a:rPr>
-              <a:t> Yang</a:t>
-            </a:r>
-            <a:endParaRPr lang="en-US" dirty="0"/>
-          </a:p>
-        </p:txBody>
-      </p:sp>
     </p:spTree>
     <p:extLst>
       <p:ext uri="{BB962C8B-B14F-4D97-AF65-F5344CB8AC3E}">
@@ -3557,7 +3477,7 @@
           <p:cNvPr id="2" name="Title 1">
             <a:extLst>
               <a:ext uri="{FF2B5EF4-FFF2-40B4-BE49-F238E27FC236}">
-                <a16:creationId xmlns:a16="http://schemas.microsoft.com/office/drawing/2014/main" id="{6A3CF716-6FB5-8840-A662-85683A7D7613}"/>
+                <a16:creationId xmlns:a16="http://schemas.microsoft.com/office/drawing/2014/main" id="{C7E93153-3755-134B-9954-A522DA6A5C09}"/>
               </a:ext>
             </a:extLst>
           </p:cNvPr>
@@ -3575,17 +3495,254 @@
           <a:p>
             <a:r>
               <a:rPr lang="en-US" dirty="0"/>
-              <a:t>Content</a:t>
-            </a:r>
-          </a:p>
-        </p:txBody>
-      </p:sp>
-      <p:sp>
-        <p:nvSpPr>
-          <p:cNvPr id="3" name="Content Placeholder 2">
-            <a:extLst>
-              <a:ext uri="{FF2B5EF4-FFF2-40B4-BE49-F238E27FC236}">
-                <a16:creationId xmlns:a16="http://schemas.microsoft.com/office/drawing/2014/main" id="{DCFF9215-F422-1D49-9755-74B031AA8C5F}"/>
+              <a:t>AOL Dataset</a:t>
+            </a:r>
+          </a:p>
+        </p:txBody>
+      </p:sp>
+      <p:pic>
+        <p:nvPicPr>
+          <p:cNvPr id="11" name="Picture 10">
+            <a:extLst>
+              <a:ext uri="{FF2B5EF4-FFF2-40B4-BE49-F238E27FC236}">
+                <a16:creationId xmlns:a16="http://schemas.microsoft.com/office/drawing/2014/main" id="{66AF7BFB-6D29-2C4B-8E7B-5E849525E775}"/>
+              </a:ext>
+            </a:extLst>
+          </p:cNvPr>
+          <p:cNvPicPr>
+            <a:picLocks noChangeAspect="1"/>
+          </p:cNvPicPr>
+          <p:nvPr/>
+        </p:nvPicPr>
+        <p:blipFill>
+          <a:blip r:embed="rId2"/>
+          <a:stretch>
+            <a:fillRect/>
+          </a:stretch>
+        </p:blipFill>
+        <p:spPr>
+          <a:xfrm>
+            <a:off x="676275" y="2110815"/>
+            <a:ext cx="10790795" cy="681037"/>
+          </a:xfrm>
+          <a:prstGeom prst="rect">
+            <a:avLst/>
+          </a:prstGeom>
+        </p:spPr>
+      </p:pic>
+      <p:sp>
+        <p:nvSpPr>
+          <p:cNvPr id="12" name="TextBox 11">
+            <a:extLst>
+              <a:ext uri="{FF2B5EF4-FFF2-40B4-BE49-F238E27FC236}">
+                <a16:creationId xmlns:a16="http://schemas.microsoft.com/office/drawing/2014/main" id="{49205AD0-C496-DA45-9661-6CAA5F013658}"/>
+              </a:ext>
+            </a:extLst>
+          </p:cNvPr>
+          <p:cNvSpPr txBox="1"/>
+          <p:nvPr/>
+        </p:nvSpPr>
+        <p:spPr>
+          <a:xfrm>
+            <a:off x="688633" y="1796291"/>
+            <a:ext cx="840774" cy="305585"/>
+          </a:xfrm>
+          <a:prstGeom prst="rect">
+            <a:avLst/>
+          </a:prstGeom>
+          <a:noFill/>
+          <a:ln>
+            <a:solidFill>
+              <a:schemeClr val="tx1"/>
+            </a:solidFill>
+          </a:ln>
+        </p:spPr>
+        <p:txBody>
+          <a:bodyPr wrap="square" rtlCol="0">
+            <a:spAutoFit/>
+          </a:bodyPr>
+          <a:lstStyle/>
+          <a:p>
+            <a:pPr algn="ctr"/>
+            <a:r>
+              <a:rPr lang="en-US" sz="1400" dirty="0" err="1"/>
+              <a:t>UserID</a:t>
+            </a:r>
+            <a:endParaRPr lang="en-US" sz="1400" dirty="0"/>
+          </a:p>
+        </p:txBody>
+      </p:sp>
+      <p:sp>
+        <p:nvSpPr>
+          <p:cNvPr id="13" name="TextBox 12">
+            <a:extLst>
+              <a:ext uri="{FF2B5EF4-FFF2-40B4-BE49-F238E27FC236}">
+                <a16:creationId xmlns:a16="http://schemas.microsoft.com/office/drawing/2014/main" id="{B12D3D34-D6D1-824E-A082-D10FA88593B0}"/>
+              </a:ext>
+            </a:extLst>
+          </p:cNvPr>
+          <p:cNvSpPr txBox="1"/>
+          <p:nvPr/>
+        </p:nvSpPr>
+        <p:spPr>
+          <a:xfrm>
+            <a:off x="1529407" y="1796290"/>
+            <a:ext cx="4055847" cy="305585"/>
+          </a:xfrm>
+          <a:prstGeom prst="rect">
+            <a:avLst/>
+          </a:prstGeom>
+          <a:noFill/>
+          <a:ln>
+            <a:solidFill>
+              <a:schemeClr val="tx1"/>
+            </a:solidFill>
+          </a:ln>
+        </p:spPr>
+        <p:txBody>
+          <a:bodyPr wrap="square" rtlCol="0">
+            <a:spAutoFit/>
+          </a:bodyPr>
+          <a:lstStyle/>
+          <a:p>
+            <a:pPr algn="ctr"/>
+            <a:r>
+              <a:rPr lang="en-US" sz="1400" dirty="0"/>
+              <a:t>Query</a:t>
+            </a:r>
+          </a:p>
+        </p:txBody>
+      </p:sp>
+      <p:sp>
+        <p:nvSpPr>
+          <p:cNvPr id="14" name="TextBox 13">
+            <a:extLst>
+              <a:ext uri="{FF2B5EF4-FFF2-40B4-BE49-F238E27FC236}">
+                <a16:creationId xmlns:a16="http://schemas.microsoft.com/office/drawing/2014/main" id="{FCC4E47A-A98D-D94A-BAED-C666BC5063BD}"/>
+              </a:ext>
+            </a:extLst>
+          </p:cNvPr>
+          <p:cNvSpPr txBox="1"/>
+          <p:nvPr/>
+        </p:nvSpPr>
+        <p:spPr>
+          <a:xfrm>
+            <a:off x="5587569" y="1794101"/>
+            <a:ext cx="1974764" cy="305583"/>
+          </a:xfrm>
+          <a:prstGeom prst="rect">
+            <a:avLst/>
+          </a:prstGeom>
+          <a:noFill/>
+          <a:ln>
+            <a:solidFill>
+              <a:schemeClr val="tx1"/>
+            </a:solidFill>
+          </a:ln>
+        </p:spPr>
+        <p:txBody>
+          <a:bodyPr wrap="square" rtlCol="0">
+            <a:spAutoFit/>
+          </a:bodyPr>
+          <a:lstStyle/>
+          <a:p>
+            <a:pPr algn="ctr"/>
+            <a:r>
+              <a:rPr lang="en-US" sz="1400" dirty="0" err="1"/>
+              <a:t>QueryTime</a:t>
+            </a:r>
+            <a:endParaRPr lang="en-US" sz="1400" dirty="0"/>
+          </a:p>
+        </p:txBody>
+      </p:sp>
+      <p:sp>
+        <p:nvSpPr>
+          <p:cNvPr id="15" name="TextBox 14">
+            <a:extLst>
+              <a:ext uri="{FF2B5EF4-FFF2-40B4-BE49-F238E27FC236}">
+                <a16:creationId xmlns:a16="http://schemas.microsoft.com/office/drawing/2014/main" id="{0F82A8B0-5D9C-1A4C-9AB0-5AE972FFB20F}"/>
+              </a:ext>
+            </a:extLst>
+          </p:cNvPr>
+          <p:cNvSpPr txBox="1"/>
+          <p:nvPr/>
+        </p:nvSpPr>
+        <p:spPr>
+          <a:xfrm>
+            <a:off x="7562333" y="1794099"/>
+            <a:ext cx="840774" cy="305585"/>
+          </a:xfrm>
+          <a:prstGeom prst="rect">
+            <a:avLst/>
+          </a:prstGeom>
+          <a:noFill/>
+          <a:ln>
+            <a:solidFill>
+              <a:schemeClr val="tx1"/>
+            </a:solidFill>
+          </a:ln>
+        </p:spPr>
+        <p:txBody>
+          <a:bodyPr wrap="square" rtlCol="0">
+            <a:spAutoFit/>
+          </a:bodyPr>
+          <a:lstStyle/>
+          <a:p>
+            <a:pPr algn="ctr"/>
+            <a:r>
+              <a:rPr lang="en-US" sz="1400" dirty="0"/>
+              <a:t>Rank</a:t>
+            </a:r>
+          </a:p>
+        </p:txBody>
+      </p:sp>
+      <p:sp>
+        <p:nvSpPr>
+          <p:cNvPr id="16" name="TextBox 15">
+            <a:extLst>
+              <a:ext uri="{FF2B5EF4-FFF2-40B4-BE49-F238E27FC236}">
+                <a16:creationId xmlns:a16="http://schemas.microsoft.com/office/drawing/2014/main" id="{D91D085A-62EF-0645-8EFA-D4CBB8359010}"/>
+              </a:ext>
+            </a:extLst>
+          </p:cNvPr>
+          <p:cNvSpPr txBox="1"/>
+          <p:nvPr/>
+        </p:nvSpPr>
+        <p:spPr>
+          <a:xfrm>
+            <a:off x="8403108" y="1794099"/>
+            <a:ext cx="3063962" cy="305585"/>
+          </a:xfrm>
+          <a:prstGeom prst="rect">
+            <a:avLst/>
+          </a:prstGeom>
+          <a:noFill/>
+          <a:ln>
+            <a:solidFill>
+              <a:schemeClr val="tx1"/>
+            </a:solidFill>
+          </a:ln>
+        </p:spPr>
+        <p:txBody>
+          <a:bodyPr wrap="square" rtlCol="0">
+            <a:spAutoFit/>
+          </a:bodyPr>
+          <a:lstStyle/>
+          <a:p>
+            <a:pPr algn="ctr"/>
+            <a:r>
+              <a:rPr lang="en-US" sz="1400" dirty="0"/>
+              <a:t>Link</a:t>
+            </a:r>
+          </a:p>
+        </p:txBody>
+      </p:sp>
+      <p:sp>
+        <p:nvSpPr>
+          <p:cNvPr id="17" name="Content Placeholder 2">
+            <a:extLst>
+              <a:ext uri="{FF2B5EF4-FFF2-40B4-BE49-F238E27FC236}">
+                <a16:creationId xmlns:a16="http://schemas.microsoft.com/office/drawing/2014/main" id="{E65DB606-80CF-5742-AC09-83E1241C0C57}"/>
               </a:ext>
             </a:extLst>
           </p:cNvPr>
@@ -3596,208 +3753,393 @@
             <p:ph idx="1"/>
           </p:nvPr>
         </p:nvSpPr>
-        <p:spPr/>
-        <p:txBody>
-          <a:bodyPr/>
-          <a:lstStyle/>
-          <a:p>
-            <a:r>
-              <a:rPr lang="en-US" dirty="0"/>
-              <a:t>Introduction</a:t>
-            </a:r>
-          </a:p>
-          <a:p>
-            <a:r>
-              <a:rPr lang="en-US" dirty="0"/>
-              <a:t>Related work</a:t>
-            </a:r>
-          </a:p>
-          <a:p>
-            <a:r>
-              <a:rPr lang="en-US" dirty="0"/>
-              <a:t>Approach</a:t>
-            </a:r>
-          </a:p>
-          <a:p>
-            <a:r>
-              <a:rPr lang="en-US" dirty="0"/>
-              <a:t>Evaluation</a:t>
-            </a:r>
-          </a:p>
-          <a:p>
-            <a:r>
-              <a:rPr lang="en-US" dirty="0"/>
-              <a:t>Conclusion</a:t>
-            </a:r>
-          </a:p>
-          <a:p>
-            <a:endParaRPr lang="en-US" dirty="0"/>
-          </a:p>
-        </p:txBody>
-      </p:sp>
-    </p:spTree>
-    <p:extLst>
-      <p:ext uri="{BB962C8B-B14F-4D97-AF65-F5344CB8AC3E}">
-        <p14:creationId xmlns:p14="http://schemas.microsoft.com/office/powerpoint/2010/main" val="204335413"/>
-      </p:ext>
-    </p:extLst>
-  </p:cSld>
-  <p:clrMapOvr>
-    <a:masterClrMapping/>
-  </p:clrMapOvr>
-</p:sld>
-</file>
-
-<file path=ppt/slides/slide3.xml><?xml version="1.0" encoding="utf-8"?>
-<p:sld xmlns:a="http://schemas.openxmlformats.org/drawingml/2006/main" xmlns:r="http://schemas.openxmlformats.org/officeDocument/2006/relationships" xmlns:p="http://schemas.openxmlformats.org/presentationml/2006/main">
-  <p:cSld>
-    <p:spTree>
-      <p:nvGrpSpPr>
-        <p:cNvPr id="1" name=""/>
-        <p:cNvGrpSpPr/>
-        <p:nvPr/>
-      </p:nvGrpSpPr>
-      <p:grpSpPr>
-        <a:xfrm>
-          <a:off x="0" y="0"/>
-          <a:ext cx="0" cy="0"/>
-          <a:chOff x="0" y="0"/>
-          <a:chExt cx="0" cy="0"/>
-        </a:xfrm>
-      </p:grpSpPr>
-      <p:sp>
-        <p:nvSpPr>
-          <p:cNvPr id="2" name="Title 1">
-            <a:extLst>
-              <a:ext uri="{FF2B5EF4-FFF2-40B4-BE49-F238E27FC236}">
-                <a16:creationId xmlns:a16="http://schemas.microsoft.com/office/drawing/2014/main" id="{86691BBF-A4D9-AE4A-BF14-D9175EE7D410}"/>
-              </a:ext>
-            </a:extLst>
-          </p:cNvPr>
-          <p:cNvSpPr>
-            <a:spLocks noGrp="1"/>
-          </p:cNvSpPr>
-          <p:nvPr>
-            <p:ph type="title"/>
-          </p:nvPr>
-        </p:nvSpPr>
-        <p:spPr/>
-        <p:txBody>
-          <a:bodyPr/>
-          <a:lstStyle/>
-          <a:p>
-            <a:r>
-              <a:rPr lang="en-US" dirty="0"/>
-              <a:t>Introduction</a:t>
-            </a:r>
-          </a:p>
-        </p:txBody>
-      </p:sp>
-      <p:sp>
-        <p:nvSpPr>
-          <p:cNvPr id="3" name="Content Placeholder 2">
-            <a:extLst>
-              <a:ext uri="{FF2B5EF4-FFF2-40B4-BE49-F238E27FC236}">
-                <a16:creationId xmlns:a16="http://schemas.microsoft.com/office/drawing/2014/main" id="{0B9225FD-ED0C-EB4C-9930-C3FD6AA1890A}"/>
-              </a:ext>
-            </a:extLst>
-          </p:cNvPr>
-          <p:cNvSpPr>
-            <a:spLocks noGrp="1"/>
-          </p:cNvSpPr>
-          <p:nvPr>
-            <p:ph idx="1"/>
-          </p:nvPr>
-        </p:nvSpPr>
-        <p:spPr/>
-        <p:txBody>
-          <a:bodyPr/>
-          <a:lstStyle/>
-          <a:p>
+        <p:spPr>
+          <a:xfrm>
+            <a:off x="838200" y="3143249"/>
+            <a:ext cx="10515600" cy="3033713"/>
+          </a:xfrm>
+        </p:spPr>
+        <p:txBody>
+          <a:bodyPr>
+            <a:normAutofit/>
+          </a:bodyPr>
+          <a:lstStyle/>
+          <a:p>
+            <a:r>
+              <a:rPr lang="en-US" sz="2000" dirty="0">
+                <a:latin typeface="Times New Roman" panose="02020603050405020304" pitchFamily="18" charset="0"/>
+                <a:cs typeface="Times New Roman" panose="02020603050405020304" pitchFamily="18" charset="0"/>
+              </a:rPr>
+              <a:t>Preprocessing:</a:t>
+            </a:r>
+          </a:p>
+          <a:p>
+            <a:pPr lvl="1"/>
+            <a:r>
+              <a:rPr lang="en-US" sz="1600" dirty="0">
+                <a:latin typeface="Times New Roman" panose="02020603050405020304" pitchFamily="18" charset="0"/>
+                <a:cs typeface="Times New Roman" panose="02020603050405020304" pitchFamily="18" charset="0"/>
+              </a:rPr>
+              <a:t>Filter the dataset by keywords from two topic: cancer, pregnancy.</a:t>
+            </a:r>
+          </a:p>
+          <a:p>
+            <a:pPr lvl="1"/>
+            <a:r>
+              <a:rPr lang="en-US" sz="1600" dirty="0">
+                <a:latin typeface="Times New Roman" panose="02020603050405020304" pitchFamily="18" charset="0"/>
+                <a:cs typeface="Times New Roman" panose="02020603050405020304" pitchFamily="18" charset="0"/>
+              </a:rPr>
+              <a:t>Classify the dataset into three categories: cancer related, pregnancy related, and other.</a:t>
+            </a:r>
+          </a:p>
+          <a:p>
+            <a:pPr lvl="1"/>
+            <a:r>
+              <a:rPr lang="en-US" sz="1600" dirty="0">
+                <a:latin typeface="Times New Roman" panose="02020603050405020304" pitchFamily="18" charset="0"/>
+                <a:cs typeface="Times New Roman" panose="02020603050405020304" pitchFamily="18" charset="0"/>
+              </a:rPr>
+              <a:t>Each category contains 1000 users, with queries related to each topic.</a:t>
+            </a:r>
+          </a:p>
+          <a:p>
+            <a:r>
+              <a:rPr lang="en-US" sz="2000" dirty="0">
+                <a:latin typeface="Times New Roman" panose="02020603050405020304" pitchFamily="18" charset="0"/>
+                <a:cs typeface="Times New Roman" panose="02020603050405020304" pitchFamily="18" charset="0"/>
+              </a:rPr>
+              <a:t>Goal: </a:t>
+            </a:r>
+          </a:p>
+          <a:p>
+            <a:pPr lvl="1"/>
+            <a:r>
+              <a:rPr lang="en-US" sz="1600" dirty="0">
+                <a:latin typeface="Times New Roman" panose="02020603050405020304" pitchFamily="18" charset="0"/>
+                <a:cs typeface="Times New Roman" panose="02020603050405020304" pitchFamily="18" charset="0"/>
+              </a:rPr>
+              <a:t>Mutate word tokens in web search queries</a:t>
+            </a:r>
+          </a:p>
+          <a:p>
+            <a:pPr lvl="1"/>
+            <a:r>
+              <a:rPr lang="en-US" sz="1600" dirty="0">
+                <a:latin typeface="Times New Roman" panose="02020603050405020304" pitchFamily="18" charset="0"/>
+                <a:cs typeface="Times New Roman" panose="02020603050405020304" pitchFamily="18" charset="0"/>
+              </a:rPr>
+              <a:t>Decrease its privacy risk: category inference accuracy</a:t>
+            </a:r>
+          </a:p>
+          <a:p>
+            <a:pPr lvl="1"/>
+            <a:r>
+              <a:rPr lang="en-US" sz="1600" dirty="0">
+                <a:latin typeface="Times New Roman" panose="02020603050405020304" pitchFamily="18" charset="0"/>
+                <a:cs typeface="Times New Roman" panose="02020603050405020304" pitchFamily="18" charset="0"/>
+              </a:rPr>
+              <a:t>Maintain its </a:t>
+            </a:r>
+            <a:r>
+              <a:rPr lang="en-US" sz="1600" dirty="0" err="1">
+                <a:latin typeface="Times New Roman" panose="02020603050405020304" pitchFamily="18" charset="0"/>
+                <a:cs typeface="Times New Roman" panose="02020603050405020304" pitchFamily="18" charset="0"/>
+              </a:rPr>
+              <a:t>stealthiness</a:t>
+            </a:r>
+            <a:r>
+              <a:rPr lang="en-US" sz="1600" dirty="0">
+                <a:latin typeface="Times New Roman" panose="02020603050405020304" pitchFamily="18" charset="0"/>
+                <a:cs typeface="Times New Roman" panose="02020603050405020304" pitchFamily="18" charset="0"/>
+              </a:rPr>
+              <a:t> (utility metric1): the obfuscated query should be meaningful instead of random words</a:t>
+            </a:r>
+          </a:p>
+          <a:p>
+            <a:pPr lvl="1"/>
+            <a:r>
+              <a:rPr lang="en-US" sz="1600" dirty="0">
+                <a:latin typeface="Times New Roman" panose="02020603050405020304" pitchFamily="18" charset="0"/>
+                <a:cs typeface="Times New Roman" panose="02020603050405020304" pitchFamily="18" charset="0"/>
+              </a:rPr>
+              <a:t>Reduce obfuscation cost (utility metric2): the maximum likelihood estimation loss</a:t>
+            </a:r>
+          </a:p>
+          <a:p>
+            <a:pPr marL="0" indent="0">
+              <a:buNone/>
+            </a:pPr>
+            <a:endParaRPr lang="en-US" sz="2000" dirty="0">
+              <a:latin typeface="Times New Roman" panose="02020603050405020304" pitchFamily="18" charset="0"/>
+              <a:cs typeface="Times New Roman" panose="02020603050405020304" pitchFamily="18" charset="0"/>
+            </a:endParaRPr>
+          </a:p>
+          <a:p>
+            <a:endParaRPr lang="en-US" sz="2000" dirty="0">
+              <a:latin typeface="Times New Roman" panose="02020603050405020304" pitchFamily="18" charset="0"/>
+              <a:cs typeface="Times New Roman" panose="02020603050405020304" pitchFamily="18" charset="0"/>
+            </a:endParaRPr>
+          </a:p>
+        </p:txBody>
+      </p:sp>
+      <p:sp>
+        <p:nvSpPr>
+          <p:cNvPr id="19" name="Rectangle 18">
+            <a:extLst>
+              <a:ext uri="{FF2B5EF4-FFF2-40B4-BE49-F238E27FC236}">
+                <a16:creationId xmlns:a16="http://schemas.microsoft.com/office/drawing/2014/main" id="{19F3B5A9-336D-4B47-B7A7-BB8A97A1CB38}"/>
+              </a:ext>
+            </a:extLst>
+          </p:cNvPr>
+          <p:cNvSpPr/>
+          <p:nvPr/>
+        </p:nvSpPr>
+        <p:spPr>
+          <a:xfrm>
+            <a:off x="688632" y="2099684"/>
+            <a:ext cx="838460" cy="692168"/>
+          </a:xfrm>
+          <a:prstGeom prst="rect">
+            <a:avLst/>
+          </a:prstGeom>
+          <a:noFill/>
+          <a:ln>
+            <a:solidFill>
+              <a:schemeClr val="tx1"/>
+            </a:solidFill>
+          </a:ln>
+        </p:spPr>
+        <p:style>
+          <a:lnRef idx="2">
+            <a:schemeClr val="accent1">
+              <a:shade val="50000"/>
+            </a:schemeClr>
+          </a:lnRef>
+          <a:fillRef idx="1">
+            <a:schemeClr val="accent1"/>
+          </a:fillRef>
+          <a:effectRef idx="0">
+            <a:schemeClr val="accent1"/>
+          </a:effectRef>
+          <a:fontRef idx="minor">
+            <a:schemeClr val="lt1"/>
+          </a:fontRef>
+        </p:style>
+        <p:txBody>
+          <a:bodyPr rtlCol="0" anchor="ctr"/>
+          <a:lstStyle/>
+          <a:p>
+            <a:pPr algn="ctr"/>
             <a:endParaRPr lang="en-US"/>
           </a:p>
         </p:txBody>
       </p:sp>
-    </p:spTree>
-    <p:extLst>
-      <p:ext uri="{BB962C8B-B14F-4D97-AF65-F5344CB8AC3E}">
-        <p14:creationId xmlns:p14="http://schemas.microsoft.com/office/powerpoint/2010/main" val="1272889108"/>
-      </p:ext>
-    </p:extLst>
-  </p:cSld>
-  <p:clrMapOvr>
-    <a:masterClrMapping/>
-  </p:clrMapOvr>
-</p:sld>
-</file>
-
-<file path=ppt/slides/slide4.xml><?xml version="1.0" encoding="utf-8"?>
-<p:sld xmlns:a="http://schemas.openxmlformats.org/drawingml/2006/main" xmlns:r="http://schemas.openxmlformats.org/officeDocument/2006/relationships" xmlns:p="http://schemas.openxmlformats.org/presentationml/2006/main">
-  <p:cSld>
-    <p:spTree>
-      <p:nvGrpSpPr>
-        <p:cNvPr id="1" name=""/>
-        <p:cNvGrpSpPr/>
-        <p:nvPr/>
-      </p:nvGrpSpPr>
-      <p:grpSpPr>
-        <a:xfrm>
-          <a:off x="0" y="0"/>
-          <a:ext cx="0" cy="0"/>
-          <a:chOff x="0" y="0"/>
-          <a:chExt cx="0" cy="0"/>
-        </a:xfrm>
-      </p:grpSpPr>
-      <p:sp>
-        <p:nvSpPr>
-          <p:cNvPr id="2" name="Title 1">
-            <a:extLst>
-              <a:ext uri="{FF2B5EF4-FFF2-40B4-BE49-F238E27FC236}">
-                <a16:creationId xmlns:a16="http://schemas.microsoft.com/office/drawing/2014/main" id="{C7E93153-3755-134B-9954-A522DA6A5C09}"/>
-              </a:ext>
-            </a:extLst>
-          </p:cNvPr>
-          <p:cNvSpPr>
-            <a:spLocks noGrp="1"/>
-          </p:cNvSpPr>
-          <p:nvPr>
-            <p:ph type="title"/>
-          </p:nvPr>
-        </p:nvSpPr>
-        <p:spPr/>
-        <p:txBody>
-          <a:bodyPr/>
-          <a:lstStyle/>
-          <a:p>
-            <a:r>
-              <a:rPr lang="en-US" dirty="0"/>
-              <a:t>Related work</a:t>
-            </a:r>
-          </a:p>
-        </p:txBody>
-      </p:sp>
-      <p:sp>
-        <p:nvSpPr>
-          <p:cNvPr id="3" name="Content Placeholder 2">
-            <a:extLst>
-              <a:ext uri="{FF2B5EF4-FFF2-40B4-BE49-F238E27FC236}">
-                <a16:creationId xmlns:a16="http://schemas.microsoft.com/office/drawing/2014/main" id="{64A0670C-25E4-1A47-9F9B-E4E4F8280B54}"/>
-              </a:ext>
-            </a:extLst>
-          </p:cNvPr>
-          <p:cNvSpPr>
-            <a:spLocks noGrp="1"/>
-          </p:cNvSpPr>
-          <p:nvPr>
-            <p:ph idx="1"/>
-          </p:nvPr>
-        </p:nvSpPr>
-        <p:spPr/>
-        <p:txBody>
-          <a:bodyPr/>
-          <a:lstStyle/>
-          <a:p>
-            <a:endParaRPr lang="en-US" dirty="0"/>
+      <p:sp>
+        <p:nvSpPr>
+          <p:cNvPr id="20" name="Rectangle 19">
+            <a:extLst>
+              <a:ext uri="{FF2B5EF4-FFF2-40B4-BE49-F238E27FC236}">
+                <a16:creationId xmlns:a16="http://schemas.microsoft.com/office/drawing/2014/main" id="{083E3E94-4CDA-2F4E-8270-31256D05F416}"/>
+              </a:ext>
+            </a:extLst>
+          </p:cNvPr>
+          <p:cNvSpPr/>
+          <p:nvPr/>
+        </p:nvSpPr>
+        <p:spPr>
+          <a:xfrm>
+            <a:off x="1527091" y="2099684"/>
+            <a:ext cx="4055847" cy="692168"/>
+          </a:xfrm>
+          <a:prstGeom prst="rect">
+            <a:avLst/>
+          </a:prstGeom>
+          <a:noFill/>
+          <a:ln>
+            <a:solidFill>
+              <a:schemeClr val="tx1"/>
+            </a:solidFill>
+          </a:ln>
+        </p:spPr>
+        <p:style>
+          <a:lnRef idx="2">
+            <a:schemeClr val="accent1">
+              <a:shade val="50000"/>
+            </a:schemeClr>
+          </a:lnRef>
+          <a:fillRef idx="1">
+            <a:schemeClr val="accent1"/>
+          </a:fillRef>
+          <a:effectRef idx="0">
+            <a:schemeClr val="accent1"/>
+          </a:effectRef>
+          <a:fontRef idx="minor">
+            <a:schemeClr val="lt1"/>
+          </a:fontRef>
+        </p:style>
+        <p:txBody>
+          <a:bodyPr rtlCol="0" anchor="ctr"/>
+          <a:lstStyle/>
+          <a:p>
+            <a:pPr algn="ctr"/>
+            <a:endParaRPr lang="en-US"/>
+          </a:p>
+        </p:txBody>
+      </p:sp>
+      <p:sp>
+        <p:nvSpPr>
+          <p:cNvPr id="21" name="Rectangle 20">
+            <a:extLst>
+              <a:ext uri="{FF2B5EF4-FFF2-40B4-BE49-F238E27FC236}">
+                <a16:creationId xmlns:a16="http://schemas.microsoft.com/office/drawing/2014/main" id="{38F8AE47-1E55-3748-A668-BD4919D63841}"/>
+              </a:ext>
+            </a:extLst>
+          </p:cNvPr>
+          <p:cNvSpPr/>
+          <p:nvPr/>
+        </p:nvSpPr>
+        <p:spPr>
+          <a:xfrm>
+            <a:off x="5582939" y="2102839"/>
+            <a:ext cx="1974764" cy="689013"/>
+          </a:xfrm>
+          <a:prstGeom prst="rect">
+            <a:avLst/>
+          </a:prstGeom>
+          <a:noFill/>
+          <a:ln>
+            <a:solidFill>
+              <a:schemeClr val="tx1"/>
+            </a:solidFill>
+          </a:ln>
+        </p:spPr>
+        <p:style>
+          <a:lnRef idx="2">
+            <a:schemeClr val="accent1">
+              <a:shade val="50000"/>
+            </a:schemeClr>
+          </a:lnRef>
+          <a:fillRef idx="1">
+            <a:schemeClr val="accent1"/>
+          </a:fillRef>
+          <a:effectRef idx="0">
+            <a:schemeClr val="accent1"/>
+          </a:effectRef>
+          <a:fontRef idx="minor">
+            <a:schemeClr val="lt1"/>
+          </a:fontRef>
+        </p:style>
+        <p:txBody>
+          <a:bodyPr rtlCol="0" anchor="ctr"/>
+          <a:lstStyle/>
+          <a:p>
+            <a:pPr algn="ctr"/>
+            <a:endParaRPr lang="en-US"/>
+          </a:p>
+        </p:txBody>
+      </p:sp>
+      <p:sp>
+        <p:nvSpPr>
+          <p:cNvPr id="22" name="Rectangle 21">
+            <a:extLst>
+              <a:ext uri="{FF2B5EF4-FFF2-40B4-BE49-F238E27FC236}">
+                <a16:creationId xmlns:a16="http://schemas.microsoft.com/office/drawing/2014/main" id="{BFB7AF4D-3CC2-6D49-9D6B-6C1ACA8AC099}"/>
+              </a:ext>
+            </a:extLst>
+          </p:cNvPr>
+          <p:cNvSpPr/>
+          <p:nvPr/>
+        </p:nvSpPr>
+        <p:spPr>
+          <a:xfrm>
+            <a:off x="7564648" y="2101613"/>
+            <a:ext cx="838459" cy="689013"/>
+          </a:xfrm>
+          <a:prstGeom prst="rect">
+            <a:avLst/>
+          </a:prstGeom>
+          <a:noFill/>
+          <a:ln>
+            <a:solidFill>
+              <a:schemeClr val="tx1"/>
+            </a:solidFill>
+          </a:ln>
+        </p:spPr>
+        <p:style>
+          <a:lnRef idx="2">
+            <a:schemeClr val="accent1">
+              <a:shade val="50000"/>
+            </a:schemeClr>
+          </a:lnRef>
+          <a:fillRef idx="1">
+            <a:schemeClr val="accent1"/>
+          </a:fillRef>
+          <a:effectRef idx="0">
+            <a:schemeClr val="accent1"/>
+          </a:effectRef>
+          <a:fontRef idx="minor">
+            <a:schemeClr val="lt1"/>
+          </a:fontRef>
+        </p:style>
+        <p:txBody>
+          <a:bodyPr rtlCol="0" anchor="ctr"/>
+          <a:lstStyle/>
+          <a:p>
+            <a:pPr algn="ctr"/>
+            <a:endParaRPr lang="en-US"/>
+          </a:p>
+        </p:txBody>
+      </p:sp>
+      <p:sp>
+        <p:nvSpPr>
+          <p:cNvPr id="23" name="Rectangle 22">
+            <a:extLst>
+              <a:ext uri="{FF2B5EF4-FFF2-40B4-BE49-F238E27FC236}">
+                <a16:creationId xmlns:a16="http://schemas.microsoft.com/office/drawing/2014/main" id="{C9E1B81C-441F-A041-81E8-1D741449C3E9}"/>
+              </a:ext>
+            </a:extLst>
+          </p:cNvPr>
+          <p:cNvSpPr/>
+          <p:nvPr/>
+        </p:nvSpPr>
+        <p:spPr>
+          <a:xfrm>
+            <a:off x="8403107" y="2100386"/>
+            <a:ext cx="3063963" cy="689013"/>
+          </a:xfrm>
+          <a:prstGeom prst="rect">
+            <a:avLst/>
+          </a:prstGeom>
+          <a:noFill/>
+          <a:ln>
+            <a:solidFill>
+              <a:schemeClr val="tx1"/>
+            </a:solidFill>
+          </a:ln>
+        </p:spPr>
+        <p:style>
+          <a:lnRef idx="2">
+            <a:schemeClr val="accent1">
+              <a:shade val="50000"/>
+            </a:schemeClr>
+          </a:lnRef>
+          <a:fillRef idx="1">
+            <a:schemeClr val="accent1"/>
+          </a:fillRef>
+          <a:effectRef idx="0">
+            <a:schemeClr val="accent1"/>
+          </a:effectRef>
+          <a:fontRef idx="minor">
+            <a:schemeClr val="lt1"/>
+          </a:fontRef>
+        </p:style>
+        <p:txBody>
+          <a:bodyPr rtlCol="0" anchor="ctr"/>
+          <a:lstStyle/>
+          <a:p>
+            <a:pPr algn="ctr"/>
+            <a:endParaRPr lang="en-US"/>
           </a:p>
         </p:txBody>
       </p:sp>
@@ -3814,7 +4156,7 @@
 </p:sld>
 </file>
 
-<file path=ppt/slides/slide5.xml><?xml version="1.0" encoding="utf-8"?>
+<file path=ppt/slides/slide3.xml><?xml version="1.0" encoding="utf-8"?>
 <p:sld xmlns:a="http://schemas.openxmlformats.org/drawingml/2006/main" xmlns:r="http://schemas.openxmlformats.org/officeDocument/2006/relationships" xmlns:p="http://schemas.openxmlformats.org/presentationml/2006/main">
   <p:cSld>
     <p:spTree>
@@ -5717,6 +6059,425 @@
 </p:sld>
 </file>
 
+<file path=ppt/slides/slide4.xml><?xml version="1.0" encoding="utf-8"?>
+<p:sld xmlns:a="http://schemas.openxmlformats.org/drawingml/2006/main" xmlns:r="http://schemas.openxmlformats.org/officeDocument/2006/relationships" xmlns:p="http://schemas.openxmlformats.org/presentationml/2006/main">
+  <p:cSld>
+    <p:spTree>
+      <p:nvGrpSpPr>
+        <p:cNvPr id="1" name=""/>
+        <p:cNvGrpSpPr/>
+        <p:nvPr/>
+      </p:nvGrpSpPr>
+      <p:grpSpPr>
+        <a:xfrm>
+          <a:off x="0" y="0"/>
+          <a:ext cx="0" cy="0"/>
+          <a:chOff x="0" y="0"/>
+          <a:chExt cx="0" cy="0"/>
+        </a:xfrm>
+      </p:grpSpPr>
+      <p:sp>
+        <p:nvSpPr>
+          <p:cNvPr id="2" name="Title 1">
+            <a:extLst>
+              <a:ext uri="{FF2B5EF4-FFF2-40B4-BE49-F238E27FC236}">
+                <a16:creationId xmlns:a16="http://schemas.microsoft.com/office/drawing/2014/main" id="{86691BBF-A4D9-AE4A-BF14-D9175EE7D410}"/>
+              </a:ext>
+            </a:extLst>
+          </p:cNvPr>
+          <p:cNvSpPr>
+            <a:spLocks noGrp="1"/>
+          </p:cNvSpPr>
+          <p:nvPr>
+            <p:ph type="title"/>
+          </p:nvPr>
+        </p:nvSpPr>
+        <p:spPr/>
+        <p:txBody>
+          <a:bodyPr/>
+          <a:lstStyle/>
+          <a:p>
+            <a:r>
+              <a:rPr lang="en-US" dirty="0"/>
+              <a:t>Pretrained Result (Adversary)</a:t>
+            </a:r>
+          </a:p>
+        </p:txBody>
+      </p:sp>
+      <p:pic>
+        <p:nvPicPr>
+          <p:cNvPr id="5" name="Picture 4" descr="A screenshot of a social media post&#10;&#10;Description automatically generated">
+            <a:extLst>
+              <a:ext uri="{FF2B5EF4-FFF2-40B4-BE49-F238E27FC236}">
+                <a16:creationId xmlns:a16="http://schemas.microsoft.com/office/drawing/2014/main" id="{F9F37C31-47E5-744A-8584-C818111193C2}"/>
+              </a:ext>
+            </a:extLst>
+          </p:cNvPr>
+          <p:cNvPicPr>
+            <a:picLocks noChangeAspect="1"/>
+          </p:cNvPicPr>
+          <p:nvPr/>
+        </p:nvPicPr>
+        <p:blipFill>
+          <a:blip r:embed="rId2"/>
+          <a:stretch>
+            <a:fillRect/>
+          </a:stretch>
+        </p:blipFill>
+        <p:spPr>
+          <a:xfrm>
+            <a:off x="0" y="1494744"/>
+            <a:ext cx="12192000" cy="4354286"/>
+          </a:xfrm>
+          <a:prstGeom prst="rect">
+            <a:avLst/>
+          </a:prstGeom>
+        </p:spPr>
+      </p:pic>
+      <p:sp>
+        <p:nvSpPr>
+          <p:cNvPr id="8" name="Rectangle 7">
+            <a:extLst>
+              <a:ext uri="{FF2B5EF4-FFF2-40B4-BE49-F238E27FC236}">
+                <a16:creationId xmlns:a16="http://schemas.microsoft.com/office/drawing/2014/main" id="{76FE201A-AB66-BC41-B576-927822FEEB25}"/>
+              </a:ext>
+            </a:extLst>
+          </p:cNvPr>
+          <p:cNvSpPr/>
+          <p:nvPr/>
+        </p:nvSpPr>
+        <p:spPr>
+          <a:xfrm>
+            <a:off x="2200275" y="1690688"/>
+            <a:ext cx="1743075" cy="295275"/>
+          </a:xfrm>
+          <a:prstGeom prst="rect">
+            <a:avLst/>
+          </a:prstGeom>
+          <a:solidFill>
+            <a:schemeClr val="bg1"/>
+          </a:solidFill>
+          <a:ln>
+            <a:noFill/>
+          </a:ln>
+        </p:spPr>
+        <p:style>
+          <a:lnRef idx="2">
+            <a:schemeClr val="accent1">
+              <a:shade val="50000"/>
+            </a:schemeClr>
+          </a:lnRef>
+          <a:fillRef idx="1">
+            <a:schemeClr val="accent1"/>
+          </a:fillRef>
+          <a:effectRef idx="0">
+            <a:schemeClr val="accent1"/>
+          </a:effectRef>
+          <a:fontRef idx="minor">
+            <a:schemeClr val="lt1"/>
+          </a:fontRef>
+        </p:style>
+        <p:txBody>
+          <a:bodyPr rtlCol="0" anchor="ctr"/>
+          <a:lstStyle/>
+          <a:p>
+            <a:pPr algn="ctr"/>
+            <a:endParaRPr lang="en-US"/>
+          </a:p>
+        </p:txBody>
+      </p:sp>
+      <p:sp>
+        <p:nvSpPr>
+          <p:cNvPr id="9" name="Rectangle 8">
+            <a:extLst>
+              <a:ext uri="{FF2B5EF4-FFF2-40B4-BE49-F238E27FC236}">
+                <a16:creationId xmlns:a16="http://schemas.microsoft.com/office/drawing/2014/main" id="{F3AA9D2D-D0D0-264D-8837-5D48D01C09AA}"/>
+              </a:ext>
+            </a:extLst>
+          </p:cNvPr>
+          <p:cNvSpPr/>
+          <p:nvPr/>
+        </p:nvSpPr>
+        <p:spPr>
+          <a:xfrm>
+            <a:off x="7196137" y="1690688"/>
+            <a:ext cx="1743075" cy="295275"/>
+          </a:xfrm>
+          <a:prstGeom prst="rect">
+            <a:avLst/>
+          </a:prstGeom>
+          <a:solidFill>
+            <a:schemeClr val="bg1"/>
+          </a:solidFill>
+          <a:ln>
+            <a:noFill/>
+          </a:ln>
+        </p:spPr>
+        <p:style>
+          <a:lnRef idx="2">
+            <a:schemeClr val="accent1">
+              <a:shade val="50000"/>
+            </a:schemeClr>
+          </a:lnRef>
+          <a:fillRef idx="1">
+            <a:schemeClr val="accent1"/>
+          </a:fillRef>
+          <a:effectRef idx="0">
+            <a:schemeClr val="accent1"/>
+          </a:effectRef>
+          <a:fontRef idx="minor">
+            <a:schemeClr val="lt1"/>
+          </a:fontRef>
+        </p:style>
+        <p:txBody>
+          <a:bodyPr rtlCol="0" anchor="ctr"/>
+          <a:lstStyle/>
+          <a:p>
+            <a:pPr algn="ctr"/>
+            <a:endParaRPr lang="en-US"/>
+          </a:p>
+        </p:txBody>
+      </p:sp>
+      <p:sp>
+        <p:nvSpPr>
+          <p:cNvPr id="10" name="TextBox 9">
+            <a:extLst>
+              <a:ext uri="{FF2B5EF4-FFF2-40B4-BE49-F238E27FC236}">
+                <a16:creationId xmlns:a16="http://schemas.microsoft.com/office/drawing/2014/main" id="{89196EF0-D960-7141-9F3C-0D2F1DF72C5D}"/>
+              </a:ext>
+            </a:extLst>
+          </p:cNvPr>
+          <p:cNvSpPr txBox="1"/>
+          <p:nvPr/>
+        </p:nvSpPr>
+        <p:spPr>
+          <a:xfrm>
+            <a:off x="1691138" y="1733865"/>
+            <a:ext cx="2786062" cy="307777"/>
+          </a:xfrm>
+          <a:prstGeom prst="rect">
+            <a:avLst/>
+          </a:prstGeom>
+          <a:noFill/>
+        </p:spPr>
+        <p:txBody>
+          <a:bodyPr wrap="square" rtlCol="0">
+            <a:spAutoFit/>
+          </a:bodyPr>
+          <a:lstStyle/>
+          <a:p>
+            <a:pPr algn="ctr"/>
+            <a:r>
+              <a:rPr lang="en-US" sz="1400" dirty="0"/>
+              <a:t>Pretrained adversary</a:t>
+            </a:r>
+          </a:p>
+        </p:txBody>
+      </p:sp>
+      <p:sp>
+        <p:nvSpPr>
+          <p:cNvPr id="11" name="TextBox 10">
+            <a:extLst>
+              <a:ext uri="{FF2B5EF4-FFF2-40B4-BE49-F238E27FC236}">
+                <a16:creationId xmlns:a16="http://schemas.microsoft.com/office/drawing/2014/main" id="{500F402D-590A-3A46-83B2-7FC4B0A37487}"/>
+              </a:ext>
+            </a:extLst>
+          </p:cNvPr>
+          <p:cNvSpPr txBox="1"/>
+          <p:nvPr/>
+        </p:nvSpPr>
+        <p:spPr>
+          <a:xfrm>
+            <a:off x="6677475" y="1729913"/>
+            <a:ext cx="2786062" cy="307777"/>
+          </a:xfrm>
+          <a:prstGeom prst="rect">
+            <a:avLst/>
+          </a:prstGeom>
+          <a:noFill/>
+        </p:spPr>
+        <p:txBody>
+          <a:bodyPr wrap="square" rtlCol="0">
+            <a:spAutoFit/>
+          </a:bodyPr>
+          <a:lstStyle/>
+          <a:p>
+            <a:pPr algn="ctr"/>
+            <a:r>
+              <a:rPr lang="en-US" sz="1400" dirty="0"/>
+              <a:t>Pretrained adversary</a:t>
+            </a:r>
+          </a:p>
+        </p:txBody>
+      </p:sp>
+    </p:spTree>
+    <p:extLst>
+      <p:ext uri="{BB962C8B-B14F-4D97-AF65-F5344CB8AC3E}">
+        <p14:creationId xmlns:p14="http://schemas.microsoft.com/office/powerpoint/2010/main" val="1272889108"/>
+      </p:ext>
+    </p:extLst>
+  </p:cSld>
+  <p:clrMapOvr>
+    <a:masterClrMapping/>
+  </p:clrMapOvr>
+</p:sld>
+</file>
+
+<file path=ppt/slides/slide5.xml><?xml version="1.0" encoding="utf-8"?>
+<p:sld xmlns:a="http://schemas.openxmlformats.org/drawingml/2006/main" xmlns:r="http://schemas.openxmlformats.org/officeDocument/2006/relationships" xmlns:p="http://schemas.openxmlformats.org/presentationml/2006/main">
+  <p:cSld>
+    <p:spTree>
+      <p:nvGrpSpPr>
+        <p:cNvPr id="1" name=""/>
+        <p:cNvGrpSpPr/>
+        <p:nvPr/>
+      </p:nvGrpSpPr>
+      <p:grpSpPr>
+        <a:xfrm>
+          <a:off x="0" y="0"/>
+          <a:ext cx="0" cy="0"/>
+          <a:chOff x="0" y="0"/>
+          <a:chExt cx="0" cy="0"/>
+        </a:xfrm>
+      </p:grpSpPr>
+      <p:sp>
+        <p:nvSpPr>
+          <p:cNvPr id="2" name="Title 1">
+            <a:extLst>
+              <a:ext uri="{FF2B5EF4-FFF2-40B4-BE49-F238E27FC236}">
+                <a16:creationId xmlns:a16="http://schemas.microsoft.com/office/drawing/2014/main" id="{2DFFF175-906D-4E4F-BE43-6F903C870EFC}"/>
+              </a:ext>
+            </a:extLst>
+          </p:cNvPr>
+          <p:cNvSpPr>
+            <a:spLocks noGrp="1"/>
+          </p:cNvSpPr>
+          <p:nvPr>
+            <p:ph type="title"/>
+          </p:nvPr>
+        </p:nvSpPr>
+        <p:spPr/>
+        <p:txBody>
+          <a:bodyPr/>
+          <a:lstStyle/>
+          <a:p>
+            <a:r>
+              <a:rPr lang="en-US" dirty="0"/>
+              <a:t>Evaluation </a:t>
+            </a:r>
+            <a:br>
+              <a:rPr lang="en-US" dirty="0"/>
+            </a:br>
+            <a:r>
+              <a:rPr lang="en-US" dirty="0"/>
+              <a:t>(First epoch)</a:t>
+            </a:r>
+          </a:p>
+        </p:txBody>
+      </p:sp>
+      <p:pic>
+        <p:nvPicPr>
+          <p:cNvPr id="5" name="Picture 4" descr="A screenshot of a cell phone&#10;&#10;Description automatically generated">
+            <a:extLst>
+              <a:ext uri="{FF2B5EF4-FFF2-40B4-BE49-F238E27FC236}">
+                <a16:creationId xmlns:a16="http://schemas.microsoft.com/office/drawing/2014/main" id="{E43F6886-5F36-7C4E-ACF2-F454AC62486E}"/>
+              </a:ext>
+            </a:extLst>
+          </p:cNvPr>
+          <p:cNvPicPr>
+            <a:picLocks noChangeAspect="1"/>
+          </p:cNvPicPr>
+          <p:nvPr/>
+        </p:nvPicPr>
+        <p:blipFill>
+          <a:blip r:embed="rId2"/>
+          <a:stretch>
+            <a:fillRect/>
+          </a:stretch>
+        </p:blipFill>
+        <p:spPr>
+          <a:xfrm>
+            <a:off x="4991057" y="312738"/>
+            <a:ext cx="4584700" cy="2755900"/>
+          </a:xfrm>
+          <a:prstGeom prst="rect">
+            <a:avLst/>
+          </a:prstGeom>
+        </p:spPr>
+      </p:pic>
+      <p:pic>
+        <p:nvPicPr>
+          <p:cNvPr id="7" name="Picture 6" descr="A screenshot of a cell phone&#10;&#10;Description automatically generated">
+            <a:extLst>
+              <a:ext uri="{FF2B5EF4-FFF2-40B4-BE49-F238E27FC236}">
+                <a16:creationId xmlns:a16="http://schemas.microsoft.com/office/drawing/2014/main" id="{2721E4EC-42F4-5848-9A39-A7262C07772D}"/>
+              </a:ext>
+            </a:extLst>
+          </p:cNvPr>
+          <p:cNvPicPr>
+            <a:picLocks noChangeAspect="1"/>
+          </p:cNvPicPr>
+          <p:nvPr/>
+        </p:nvPicPr>
+        <p:blipFill>
+          <a:blip r:embed="rId3"/>
+          <a:stretch>
+            <a:fillRect/>
+          </a:stretch>
+        </p:blipFill>
+        <p:spPr>
+          <a:xfrm>
+            <a:off x="1354870" y="3429000"/>
+            <a:ext cx="4584700" cy="2755900"/>
+          </a:xfrm>
+          <a:prstGeom prst="rect">
+            <a:avLst/>
+          </a:prstGeom>
+        </p:spPr>
+      </p:pic>
+      <p:pic>
+        <p:nvPicPr>
+          <p:cNvPr id="9" name="Picture 8" descr="A screenshot of a cell phone&#10;&#10;Description automatically generated">
+            <a:extLst>
+              <a:ext uri="{FF2B5EF4-FFF2-40B4-BE49-F238E27FC236}">
+                <a16:creationId xmlns:a16="http://schemas.microsoft.com/office/drawing/2014/main" id="{74153423-3B78-F847-8DE7-A9F128FFAE80}"/>
+              </a:ext>
+            </a:extLst>
+          </p:cNvPr>
+          <p:cNvPicPr>
+            <a:picLocks noChangeAspect="1"/>
+          </p:cNvPicPr>
+          <p:nvPr/>
+        </p:nvPicPr>
+        <p:blipFill>
+          <a:blip r:embed="rId4"/>
+          <a:stretch>
+            <a:fillRect/>
+          </a:stretch>
+        </p:blipFill>
+        <p:spPr>
+          <a:xfrm>
+            <a:off x="6905545" y="3463452"/>
+            <a:ext cx="4584700" cy="2755900"/>
+          </a:xfrm>
+          <a:prstGeom prst="rect">
+            <a:avLst/>
+          </a:prstGeom>
+        </p:spPr>
+      </p:pic>
+    </p:spTree>
+    <p:extLst>
+      <p:ext uri="{BB962C8B-B14F-4D97-AF65-F5344CB8AC3E}">
+        <p14:creationId xmlns:p14="http://schemas.microsoft.com/office/powerpoint/2010/main" val="1713694869"/>
+      </p:ext>
+    </p:extLst>
+  </p:cSld>
+  <p:clrMapOvr>
+    <a:masterClrMapping/>
+  </p:clrMapOvr>
+</p:sld>
+</file>
+
 <file path=ppt/slides/slide6.xml><?xml version="1.0" encoding="utf-8"?>
 <p:sld xmlns:a="http://schemas.openxmlformats.org/drawingml/2006/main" xmlns:r="http://schemas.openxmlformats.org/officeDocument/2006/relationships" xmlns:p="http://schemas.openxmlformats.org/presentationml/2006/main">
   <p:cSld>
@@ -5739,7 +6500,7 @@
           <p:cNvPr id="2" name="Title 1">
             <a:extLst>
               <a:ext uri="{FF2B5EF4-FFF2-40B4-BE49-F238E27FC236}">
-                <a16:creationId xmlns:a16="http://schemas.microsoft.com/office/drawing/2014/main" id="{2DFFF175-906D-4E4F-BE43-6F903C870EFC}"/>
+                <a16:creationId xmlns:a16="http://schemas.microsoft.com/office/drawing/2014/main" id="{6A3CF716-6FB5-8840-A662-85683A7D7613}"/>
               </a:ext>
             </a:extLst>
           </p:cNvPr>
@@ -5754,43 +6515,73 @@
         <p:txBody>
           <a:bodyPr/>
           <a:lstStyle/>
+          <a:p>
+            <a:r>
+              <a:rPr lang="en-US" dirty="0"/>
+              <a:t>Content</a:t>
+            </a:r>
+          </a:p>
+        </p:txBody>
+      </p:sp>
+      <p:sp>
+        <p:nvSpPr>
+          <p:cNvPr id="3" name="Content Placeholder 2">
+            <a:extLst>
+              <a:ext uri="{FF2B5EF4-FFF2-40B4-BE49-F238E27FC236}">
+                <a16:creationId xmlns:a16="http://schemas.microsoft.com/office/drawing/2014/main" id="{DCFF9215-F422-1D49-9755-74B031AA8C5F}"/>
+              </a:ext>
+            </a:extLst>
+          </p:cNvPr>
+          <p:cNvSpPr>
+            <a:spLocks noGrp="1"/>
+          </p:cNvSpPr>
+          <p:nvPr>
+            <p:ph idx="1"/>
+          </p:nvPr>
+        </p:nvSpPr>
+        <p:spPr/>
+        <p:txBody>
+          <a:bodyPr/>
+          <a:lstStyle/>
+          <a:p>
+            <a:r>
+              <a:rPr lang="en-US" dirty="0"/>
+              <a:t>Introduction</a:t>
+            </a:r>
+          </a:p>
+          <a:p>
+            <a:r>
+              <a:rPr lang="en-US" dirty="0"/>
+              <a:t>Related work</a:t>
+            </a:r>
+          </a:p>
+          <a:p>
+            <a:r>
+              <a:rPr lang="en-US" dirty="0"/>
+              <a:t>Approach</a:t>
+            </a:r>
+          </a:p>
           <a:p>
             <a:r>
               <a:rPr lang="en-US" dirty="0"/>
               <a:t>Evaluation</a:t>
             </a:r>
           </a:p>
-        </p:txBody>
-      </p:sp>
-      <p:sp>
-        <p:nvSpPr>
-          <p:cNvPr id="3" name="Content Placeholder 2">
-            <a:extLst>
-              <a:ext uri="{FF2B5EF4-FFF2-40B4-BE49-F238E27FC236}">
-                <a16:creationId xmlns:a16="http://schemas.microsoft.com/office/drawing/2014/main" id="{D20DCCD1-7DB7-9F44-ABC1-4E4CDD526257}"/>
-              </a:ext>
-            </a:extLst>
-          </p:cNvPr>
-          <p:cNvSpPr>
-            <a:spLocks noGrp="1"/>
-          </p:cNvSpPr>
-          <p:nvPr>
-            <p:ph idx="1"/>
-          </p:nvPr>
-        </p:nvSpPr>
-        <p:spPr/>
-        <p:txBody>
-          <a:bodyPr/>
-          <a:lstStyle/>
-          <a:p>
-            <a:endParaRPr lang="en-US"/>
+          <a:p>
+            <a:r>
+              <a:rPr lang="en-US" dirty="0"/>
+              <a:t>Conclusion</a:t>
+            </a:r>
+          </a:p>
+          <a:p>
+            <a:endParaRPr lang="en-US" dirty="0"/>
           </a:p>
         </p:txBody>
       </p:sp>
     </p:spTree>
     <p:extLst>
       <p:ext uri="{BB962C8B-B14F-4D97-AF65-F5344CB8AC3E}">
-        <p14:creationId xmlns:p14="http://schemas.microsoft.com/office/powerpoint/2010/main" val="1713694869"/>
+        <p14:creationId xmlns:p14="http://schemas.microsoft.com/office/powerpoint/2010/main" val="204335413"/>
       </p:ext>
     </p:extLst>
   </p:cSld>

--- a/doc/599-final-project.pptx
+++ b/doc/599-final-project.pptx
@@ -7,11 +7,13 @@
   <p:sldIdLst>
     <p:sldId id="256" r:id="rId2"/>
     <p:sldId id="259" r:id="rId3"/>
-    <p:sldId id="260" r:id="rId4"/>
-    <p:sldId id="258" r:id="rId5"/>
-    <p:sldId id="261" r:id="rId6"/>
-    <p:sldId id="257" r:id="rId7"/>
-    <p:sldId id="262" r:id="rId8"/>
+    <p:sldId id="264" r:id="rId4"/>
+    <p:sldId id="260" r:id="rId5"/>
+    <p:sldId id="258" r:id="rId6"/>
+    <p:sldId id="261" r:id="rId7"/>
+    <p:sldId id="257" r:id="rId8"/>
+    <p:sldId id="263" r:id="rId9"/>
+    <p:sldId id="262" r:id="rId10"/>
   </p:sldIdLst>
   <p:sldSz cx="12192000" cy="6858000"/>
   <p:notesSz cx="6858000" cy="9144000"/>
@@ -4157,6 +4159,107 @@
 </file>
 
 <file path=ppt/slides/slide3.xml><?xml version="1.0" encoding="utf-8"?>
+<p:sld xmlns:a="http://schemas.openxmlformats.org/drawingml/2006/main" xmlns:r="http://schemas.openxmlformats.org/officeDocument/2006/relationships" xmlns:p="http://schemas.openxmlformats.org/presentationml/2006/main">
+  <p:cSld>
+    <p:spTree>
+      <p:nvGrpSpPr>
+        <p:cNvPr id="1" name=""/>
+        <p:cNvGrpSpPr/>
+        <p:nvPr/>
+      </p:nvGrpSpPr>
+      <p:grpSpPr>
+        <a:xfrm>
+          <a:off x="0" y="0"/>
+          <a:ext cx="0" cy="0"/>
+          <a:chOff x="0" y="0"/>
+          <a:chExt cx="0" cy="0"/>
+        </a:xfrm>
+      </p:grpSpPr>
+      <p:sp>
+        <p:nvSpPr>
+          <p:cNvPr id="2" name="Title 1">
+            <a:extLst>
+              <a:ext uri="{FF2B5EF4-FFF2-40B4-BE49-F238E27FC236}">
+                <a16:creationId xmlns:a16="http://schemas.microsoft.com/office/drawing/2014/main" id="{D66DADA5-4D2C-DC4B-B49F-48749A3FE431}"/>
+              </a:ext>
+            </a:extLst>
+          </p:cNvPr>
+          <p:cNvSpPr>
+            <a:spLocks noGrp="1"/>
+          </p:cNvSpPr>
+          <p:nvPr>
+            <p:ph type="title"/>
+          </p:nvPr>
+        </p:nvSpPr>
+        <p:spPr/>
+        <p:txBody>
+          <a:bodyPr/>
+          <a:lstStyle/>
+          <a:p>
+            <a:r>
+              <a:rPr lang="en-US" dirty="0"/>
+              <a:t>Motivation</a:t>
+            </a:r>
+          </a:p>
+        </p:txBody>
+      </p:sp>
+      <p:sp>
+        <p:nvSpPr>
+          <p:cNvPr id="3" name="Content Placeholder 2">
+            <a:extLst>
+              <a:ext uri="{FF2B5EF4-FFF2-40B4-BE49-F238E27FC236}">
+                <a16:creationId xmlns:a16="http://schemas.microsoft.com/office/drawing/2014/main" id="{3913FB64-209D-9A44-B475-727D53C1FA02}"/>
+              </a:ext>
+            </a:extLst>
+          </p:cNvPr>
+          <p:cNvSpPr>
+            <a:spLocks noGrp="1"/>
+          </p:cNvSpPr>
+          <p:nvPr>
+            <p:ph idx="1"/>
+          </p:nvPr>
+        </p:nvSpPr>
+        <p:spPr/>
+        <p:txBody>
+          <a:bodyPr/>
+          <a:lstStyle/>
+          <a:p>
+            <a:r>
+              <a:rPr lang="en-US" dirty="0"/>
+              <a:t>Simple solution:</a:t>
+            </a:r>
+          </a:p>
+          <a:p>
+            <a:pPr lvl="1"/>
+            <a:r>
+              <a:rPr lang="en-US" dirty="0"/>
+              <a:t>Replace words with high privacy risk (e.g. cancer</a:t>
+            </a:r>
+            <a:r>
+              <a:rPr lang="en-US"/>
+              <a:t>, pregnancy)</a:t>
+            </a:r>
+          </a:p>
+          <a:p>
+            <a:pPr lvl="1"/>
+            <a:endParaRPr lang="en-US"/>
+          </a:p>
+        </p:txBody>
+      </p:sp>
+    </p:spTree>
+    <p:extLst>
+      <p:ext uri="{BB962C8B-B14F-4D97-AF65-F5344CB8AC3E}">
+        <p14:creationId xmlns:p14="http://schemas.microsoft.com/office/powerpoint/2010/main" val="1002913187"/>
+      </p:ext>
+    </p:extLst>
+  </p:cSld>
+  <p:clrMapOvr>
+    <a:masterClrMapping/>
+  </p:clrMapOvr>
+</p:sld>
+</file>
+
+<file path=ppt/slides/slide4.xml><?xml version="1.0" encoding="utf-8"?>
 <p:sld xmlns:a="http://schemas.openxmlformats.org/drawingml/2006/main" xmlns:r="http://schemas.openxmlformats.org/officeDocument/2006/relationships" xmlns:p="http://schemas.openxmlformats.org/presentationml/2006/main">
   <p:cSld>
     <p:spTree>
@@ -6059,7 +6162,7 @@
 </p:sld>
 </file>
 
-<file path=ppt/slides/slide4.xml><?xml version="1.0" encoding="utf-8"?>
+<file path=ppt/slides/slide5.xml><?xml version="1.0" encoding="utf-8"?>
 <p:sld xmlns:a="http://schemas.openxmlformats.org/drawingml/2006/main" xmlns:r="http://schemas.openxmlformats.org/officeDocument/2006/relationships" xmlns:p="http://schemas.openxmlformats.org/presentationml/2006/main">
   <p:cSld>
     <p:spTree>
@@ -6323,7 +6426,7 @@
 </p:sld>
 </file>
 
-<file path=ppt/slides/slide5.xml><?xml version="1.0" encoding="utf-8"?>
+<file path=ppt/slides/slide6.xml><?xml version="1.0" encoding="utf-8"?>
 <p:sld xmlns:a="http://schemas.openxmlformats.org/drawingml/2006/main" xmlns:r="http://schemas.openxmlformats.org/officeDocument/2006/relationships" xmlns:p="http://schemas.openxmlformats.org/presentationml/2006/main">
   <p:cSld>
     <p:spTree>
@@ -6478,7 +6581,7 @@
 </p:sld>
 </file>
 
-<file path=ppt/slides/slide6.xml><?xml version="1.0" encoding="utf-8"?>
+<file path=ppt/slides/slide7.xml><?xml version="1.0" encoding="utf-8"?>
 <p:sld xmlns:a="http://schemas.openxmlformats.org/drawingml/2006/main" xmlns:r="http://schemas.openxmlformats.org/officeDocument/2006/relationships" xmlns:p="http://schemas.openxmlformats.org/presentationml/2006/main">
   <p:cSld>
     <p:spTree>
@@ -6591,7 +6694,90 @@
 </p:sld>
 </file>
 
-<file path=ppt/slides/slide7.xml><?xml version="1.0" encoding="utf-8"?>
+<file path=ppt/slides/slide8.xml><?xml version="1.0" encoding="utf-8"?>
+<p:sld xmlns:a="http://schemas.openxmlformats.org/drawingml/2006/main" xmlns:r="http://schemas.openxmlformats.org/officeDocument/2006/relationships" xmlns:p="http://schemas.openxmlformats.org/presentationml/2006/main">
+  <p:cSld>
+    <p:spTree>
+      <p:nvGrpSpPr>
+        <p:cNvPr id="1" name=""/>
+        <p:cNvGrpSpPr/>
+        <p:nvPr/>
+      </p:nvGrpSpPr>
+      <p:grpSpPr>
+        <a:xfrm>
+          <a:off x="0" y="0"/>
+          <a:ext cx="0" cy="0"/>
+          <a:chOff x="0" y="0"/>
+          <a:chExt cx="0" cy="0"/>
+        </a:xfrm>
+      </p:grpSpPr>
+      <p:sp>
+        <p:nvSpPr>
+          <p:cNvPr id="2" name="Title 1">
+            <a:extLst>
+              <a:ext uri="{FF2B5EF4-FFF2-40B4-BE49-F238E27FC236}">
+                <a16:creationId xmlns:a16="http://schemas.microsoft.com/office/drawing/2014/main" id="{D66DADA5-4D2C-DC4B-B49F-48749A3FE431}"/>
+              </a:ext>
+            </a:extLst>
+          </p:cNvPr>
+          <p:cNvSpPr>
+            <a:spLocks noGrp="1"/>
+          </p:cNvSpPr>
+          <p:nvPr>
+            <p:ph type="title"/>
+          </p:nvPr>
+        </p:nvSpPr>
+        <p:spPr/>
+        <p:txBody>
+          <a:bodyPr/>
+          <a:lstStyle/>
+          <a:p>
+            <a:r>
+              <a:rPr lang="en-US" dirty="0"/>
+              <a:t>Introduction</a:t>
+            </a:r>
+          </a:p>
+        </p:txBody>
+      </p:sp>
+      <p:sp>
+        <p:nvSpPr>
+          <p:cNvPr id="3" name="Content Placeholder 2">
+            <a:extLst>
+              <a:ext uri="{FF2B5EF4-FFF2-40B4-BE49-F238E27FC236}">
+                <a16:creationId xmlns:a16="http://schemas.microsoft.com/office/drawing/2014/main" id="{3913FB64-209D-9A44-B475-727D53C1FA02}"/>
+              </a:ext>
+            </a:extLst>
+          </p:cNvPr>
+          <p:cNvSpPr>
+            <a:spLocks noGrp="1"/>
+          </p:cNvSpPr>
+          <p:nvPr>
+            <p:ph idx="1"/>
+          </p:nvPr>
+        </p:nvSpPr>
+        <p:spPr/>
+        <p:txBody>
+          <a:bodyPr/>
+          <a:lstStyle/>
+          <a:p>
+            <a:endParaRPr lang="en-US"/>
+          </a:p>
+        </p:txBody>
+      </p:sp>
+    </p:spTree>
+    <p:extLst>
+      <p:ext uri="{BB962C8B-B14F-4D97-AF65-F5344CB8AC3E}">
+        <p14:creationId xmlns:p14="http://schemas.microsoft.com/office/powerpoint/2010/main" val="1248642269"/>
+      </p:ext>
+    </p:extLst>
+  </p:cSld>
+  <p:clrMapOvr>
+    <a:masterClrMapping/>
+  </p:clrMapOvr>
+</p:sld>
+</file>
+
+<file path=ppt/slides/slide9.xml><?xml version="1.0" encoding="utf-8"?>
 <p:sld xmlns:a="http://schemas.openxmlformats.org/drawingml/2006/main" xmlns:r="http://schemas.openxmlformats.org/officeDocument/2006/relationships" xmlns:p="http://schemas.openxmlformats.org/presentationml/2006/main">
   <p:cSld>
     <p:spTree>

--- a/doc/599-final-project.pptx
+++ b/doc/599-final-project.pptx
@@ -9,11 +9,13 @@
     <p:sldId id="259" r:id="rId3"/>
     <p:sldId id="264" r:id="rId4"/>
     <p:sldId id="260" r:id="rId5"/>
-    <p:sldId id="258" r:id="rId6"/>
-    <p:sldId id="261" r:id="rId7"/>
-    <p:sldId id="257" r:id="rId8"/>
-    <p:sldId id="263" r:id="rId9"/>
-    <p:sldId id="262" r:id="rId10"/>
+    <p:sldId id="265" r:id="rId6"/>
+    <p:sldId id="258" r:id="rId7"/>
+    <p:sldId id="261" r:id="rId8"/>
+    <p:sldId id="266" r:id="rId9"/>
+    <p:sldId id="257" r:id="rId10"/>
+    <p:sldId id="263" r:id="rId11"/>
+    <p:sldId id="262" r:id="rId12"/>
   </p:sldIdLst>
   <p:sldSz cx="12192000" cy="6858000"/>
   <p:notesSz cx="6858000" cy="9144000"/>
@@ -3457,6 +3459,172 @@
 </p:sld>
 </file>
 
+<file path=ppt/slides/slide10.xml><?xml version="1.0" encoding="utf-8"?>
+<p:sld xmlns:a="http://schemas.openxmlformats.org/drawingml/2006/main" xmlns:r="http://schemas.openxmlformats.org/officeDocument/2006/relationships" xmlns:p="http://schemas.openxmlformats.org/presentationml/2006/main">
+  <p:cSld>
+    <p:spTree>
+      <p:nvGrpSpPr>
+        <p:cNvPr id="1" name=""/>
+        <p:cNvGrpSpPr/>
+        <p:nvPr/>
+      </p:nvGrpSpPr>
+      <p:grpSpPr>
+        <a:xfrm>
+          <a:off x="0" y="0"/>
+          <a:ext cx="0" cy="0"/>
+          <a:chOff x="0" y="0"/>
+          <a:chExt cx="0" cy="0"/>
+        </a:xfrm>
+      </p:grpSpPr>
+      <p:sp>
+        <p:nvSpPr>
+          <p:cNvPr id="2" name="Title 1">
+            <a:extLst>
+              <a:ext uri="{FF2B5EF4-FFF2-40B4-BE49-F238E27FC236}">
+                <a16:creationId xmlns:a16="http://schemas.microsoft.com/office/drawing/2014/main" id="{D66DADA5-4D2C-DC4B-B49F-48749A3FE431}"/>
+              </a:ext>
+            </a:extLst>
+          </p:cNvPr>
+          <p:cNvSpPr>
+            <a:spLocks noGrp="1"/>
+          </p:cNvSpPr>
+          <p:nvPr>
+            <p:ph type="title"/>
+          </p:nvPr>
+        </p:nvSpPr>
+        <p:spPr/>
+        <p:txBody>
+          <a:bodyPr/>
+          <a:lstStyle/>
+          <a:p>
+            <a:r>
+              <a:rPr lang="en-US" dirty="0"/>
+              <a:t>Introduction</a:t>
+            </a:r>
+          </a:p>
+        </p:txBody>
+      </p:sp>
+      <p:sp>
+        <p:nvSpPr>
+          <p:cNvPr id="3" name="Content Placeholder 2">
+            <a:extLst>
+              <a:ext uri="{FF2B5EF4-FFF2-40B4-BE49-F238E27FC236}">
+                <a16:creationId xmlns:a16="http://schemas.microsoft.com/office/drawing/2014/main" id="{3913FB64-209D-9A44-B475-727D53C1FA02}"/>
+              </a:ext>
+            </a:extLst>
+          </p:cNvPr>
+          <p:cNvSpPr>
+            <a:spLocks noGrp="1"/>
+          </p:cNvSpPr>
+          <p:nvPr>
+            <p:ph idx="1"/>
+          </p:nvPr>
+        </p:nvSpPr>
+        <p:spPr/>
+        <p:txBody>
+          <a:bodyPr/>
+          <a:lstStyle/>
+          <a:p>
+            <a:endParaRPr lang="en-US"/>
+          </a:p>
+        </p:txBody>
+      </p:sp>
+    </p:spTree>
+    <p:extLst>
+      <p:ext uri="{BB962C8B-B14F-4D97-AF65-F5344CB8AC3E}">
+        <p14:creationId xmlns:p14="http://schemas.microsoft.com/office/powerpoint/2010/main" val="1248642269"/>
+      </p:ext>
+    </p:extLst>
+  </p:cSld>
+  <p:clrMapOvr>
+    <a:masterClrMapping/>
+  </p:clrMapOvr>
+</p:sld>
+</file>
+
+<file path=ppt/slides/slide11.xml><?xml version="1.0" encoding="utf-8"?>
+<p:sld xmlns:a="http://schemas.openxmlformats.org/drawingml/2006/main" xmlns:r="http://schemas.openxmlformats.org/officeDocument/2006/relationships" xmlns:p="http://schemas.openxmlformats.org/presentationml/2006/main">
+  <p:cSld>
+    <p:spTree>
+      <p:nvGrpSpPr>
+        <p:cNvPr id="1" name=""/>
+        <p:cNvGrpSpPr/>
+        <p:nvPr/>
+      </p:nvGrpSpPr>
+      <p:grpSpPr>
+        <a:xfrm>
+          <a:off x="0" y="0"/>
+          <a:ext cx="0" cy="0"/>
+          <a:chOff x="0" y="0"/>
+          <a:chExt cx="0" cy="0"/>
+        </a:xfrm>
+      </p:grpSpPr>
+      <p:sp>
+        <p:nvSpPr>
+          <p:cNvPr id="2" name="Title 1">
+            <a:extLst>
+              <a:ext uri="{FF2B5EF4-FFF2-40B4-BE49-F238E27FC236}">
+                <a16:creationId xmlns:a16="http://schemas.microsoft.com/office/drawing/2014/main" id="{D66DADA5-4D2C-DC4B-B49F-48749A3FE431}"/>
+              </a:ext>
+            </a:extLst>
+          </p:cNvPr>
+          <p:cNvSpPr>
+            <a:spLocks noGrp="1"/>
+          </p:cNvSpPr>
+          <p:nvPr>
+            <p:ph type="title"/>
+          </p:nvPr>
+        </p:nvSpPr>
+        <p:spPr/>
+        <p:txBody>
+          <a:bodyPr/>
+          <a:lstStyle/>
+          <a:p>
+            <a:r>
+              <a:rPr lang="en-US" dirty="0"/>
+              <a:t>Conclusion</a:t>
+            </a:r>
+          </a:p>
+        </p:txBody>
+      </p:sp>
+      <p:sp>
+        <p:nvSpPr>
+          <p:cNvPr id="3" name="Content Placeholder 2">
+            <a:extLst>
+              <a:ext uri="{FF2B5EF4-FFF2-40B4-BE49-F238E27FC236}">
+                <a16:creationId xmlns:a16="http://schemas.microsoft.com/office/drawing/2014/main" id="{3913FB64-209D-9A44-B475-727D53C1FA02}"/>
+              </a:ext>
+            </a:extLst>
+          </p:cNvPr>
+          <p:cNvSpPr>
+            <a:spLocks noGrp="1"/>
+          </p:cNvSpPr>
+          <p:nvPr>
+            <p:ph idx="1"/>
+          </p:nvPr>
+        </p:nvSpPr>
+        <p:spPr/>
+        <p:txBody>
+          <a:bodyPr/>
+          <a:lstStyle/>
+          <a:p>
+            <a:endParaRPr lang="en-US"/>
+          </a:p>
+        </p:txBody>
+      </p:sp>
+    </p:spTree>
+    <p:extLst>
+      <p:ext uri="{BB962C8B-B14F-4D97-AF65-F5344CB8AC3E}">
+        <p14:creationId xmlns:p14="http://schemas.microsoft.com/office/powerpoint/2010/main" val="3396268756"/>
+      </p:ext>
+    </p:extLst>
+  </p:cSld>
+  <p:clrMapOvr>
+    <a:masterClrMapping/>
+  </p:clrMapOvr>
+</p:sld>
+</file>
+
 <file path=ppt/slides/slide2.xml><?xml version="1.0" encoding="utf-8"?>
 <p:sld xmlns:a="http://schemas.openxmlformats.org/drawingml/2006/main" xmlns:r="http://schemas.openxmlformats.org/officeDocument/2006/relationships" xmlns:p="http://schemas.openxmlformats.org/presentationml/2006/main">
   <p:cSld>
@@ -3757,8 +3925,8 @@
         </p:nvSpPr>
         <p:spPr>
           <a:xfrm>
-            <a:off x="838200" y="3143249"/>
-            <a:ext cx="10515600" cy="3033713"/>
+            <a:off x="838199" y="2916195"/>
+            <a:ext cx="10790795" cy="3756454"/>
           </a:xfrm>
         </p:spPr>
         <p:txBody>
@@ -3768,7 +3936,7 @@
           <a:lstStyle/>
           <a:p>
             <a:r>
-              <a:rPr lang="en-US" sz="2000" dirty="0">
+              <a:rPr lang="en-US" sz="2400" dirty="0">
                 <a:latin typeface="Times New Roman" panose="02020603050405020304" pitchFamily="18" charset="0"/>
                 <a:cs typeface="Times New Roman" panose="02020603050405020304" pitchFamily="18" charset="0"/>
               </a:rPr>
@@ -3778,7 +3946,7 @@
           <a:p>
             <a:pPr lvl="1"/>
             <a:r>
-              <a:rPr lang="en-US" sz="1600" dirty="0">
+              <a:rPr lang="en-US" sz="1800" dirty="0">
                 <a:latin typeface="Times New Roman" panose="02020603050405020304" pitchFamily="18" charset="0"/>
                 <a:cs typeface="Times New Roman" panose="02020603050405020304" pitchFamily="18" charset="0"/>
               </a:rPr>
@@ -3788,7 +3956,7 @@
           <a:p>
             <a:pPr lvl="1"/>
             <a:r>
-              <a:rPr lang="en-US" sz="1600" dirty="0">
+              <a:rPr lang="en-US" sz="1800" dirty="0">
                 <a:latin typeface="Times New Roman" panose="02020603050405020304" pitchFamily="18" charset="0"/>
                 <a:cs typeface="Times New Roman" panose="02020603050405020304" pitchFamily="18" charset="0"/>
               </a:rPr>
@@ -3798,7 +3966,7 @@
           <a:p>
             <a:pPr lvl="1"/>
             <a:r>
-              <a:rPr lang="en-US" sz="1600" dirty="0">
+              <a:rPr lang="en-US" sz="1800" dirty="0">
                 <a:latin typeface="Times New Roman" panose="02020603050405020304" pitchFamily="18" charset="0"/>
                 <a:cs typeface="Times New Roman" panose="02020603050405020304" pitchFamily="18" charset="0"/>
               </a:rPr>
@@ -3807,7 +3975,7 @@
           </a:p>
           <a:p>
             <a:r>
-              <a:rPr lang="en-US" sz="2000" dirty="0">
+              <a:rPr lang="en-US" sz="2400" dirty="0">
                 <a:latin typeface="Times New Roman" panose="02020603050405020304" pitchFamily="18" charset="0"/>
                 <a:cs typeface="Times New Roman" panose="02020603050405020304" pitchFamily="18" charset="0"/>
               </a:rPr>
@@ -3817,7 +3985,7 @@
           <a:p>
             <a:pPr lvl="1"/>
             <a:r>
-              <a:rPr lang="en-US" sz="1600" dirty="0">
+              <a:rPr lang="en-US" sz="1800" dirty="0">
                 <a:latin typeface="Times New Roman" panose="02020603050405020304" pitchFamily="18" charset="0"/>
                 <a:cs typeface="Times New Roman" panose="02020603050405020304" pitchFamily="18" charset="0"/>
               </a:rPr>
@@ -3827,7 +3995,7 @@
           <a:p>
             <a:pPr lvl="1"/>
             <a:r>
-              <a:rPr lang="en-US" sz="1600" dirty="0">
+              <a:rPr lang="en-US" sz="1800" dirty="0">
                 <a:latin typeface="Times New Roman" panose="02020603050405020304" pitchFamily="18" charset="0"/>
                 <a:cs typeface="Times New Roman" panose="02020603050405020304" pitchFamily="18" charset="0"/>
               </a:rPr>
@@ -3837,21 +4005,21 @@
           <a:p>
             <a:pPr lvl="1"/>
             <a:r>
-              <a:rPr lang="en-US" sz="1600" dirty="0">
+              <a:rPr lang="en-US" sz="1800" dirty="0">
                 <a:latin typeface="Times New Roman" panose="02020603050405020304" pitchFamily="18" charset="0"/>
                 <a:cs typeface="Times New Roman" panose="02020603050405020304" pitchFamily="18" charset="0"/>
               </a:rPr>
               <a:t>Maintain its </a:t>
             </a:r>
             <a:r>
-              <a:rPr lang="en-US" sz="1600" dirty="0" err="1">
+              <a:rPr lang="en-US" sz="1800" dirty="0" err="1">
                 <a:latin typeface="Times New Roman" panose="02020603050405020304" pitchFamily="18" charset="0"/>
                 <a:cs typeface="Times New Roman" panose="02020603050405020304" pitchFamily="18" charset="0"/>
               </a:rPr>
               <a:t>stealthiness</a:t>
             </a:r>
             <a:r>
-              <a:rPr lang="en-US" sz="1600" dirty="0">
+              <a:rPr lang="en-US" sz="1800" dirty="0">
                 <a:latin typeface="Times New Roman" panose="02020603050405020304" pitchFamily="18" charset="0"/>
                 <a:cs typeface="Times New Roman" panose="02020603050405020304" pitchFamily="18" charset="0"/>
               </a:rPr>
@@ -3861,7 +4029,7 @@
           <a:p>
             <a:pPr lvl="1"/>
             <a:r>
-              <a:rPr lang="en-US" sz="1600" dirty="0">
+              <a:rPr lang="en-US" sz="1800" dirty="0">
                 <a:latin typeface="Times New Roman" panose="02020603050405020304" pitchFamily="18" charset="0"/>
                 <a:cs typeface="Times New Roman" panose="02020603050405020304" pitchFamily="18" charset="0"/>
               </a:rPr>
@@ -3872,13 +4040,13 @@
             <a:pPr marL="0" indent="0">
               <a:buNone/>
             </a:pPr>
-            <a:endParaRPr lang="en-US" sz="2000" dirty="0">
+            <a:endParaRPr lang="en-US" sz="2400" dirty="0">
               <a:latin typeface="Times New Roman" panose="02020603050405020304" pitchFamily="18" charset="0"/>
               <a:cs typeface="Times New Roman" panose="02020603050405020304" pitchFamily="18" charset="0"/>
             </a:endParaRPr>
           </a:p>
           <a:p>
-            <a:endParaRPr lang="en-US" sz="2000" dirty="0">
+            <a:endParaRPr lang="en-US" sz="2400" dirty="0">
               <a:latin typeface="Times New Roman" panose="02020603050405020304" pitchFamily="18" charset="0"/>
               <a:cs typeface="Times New Roman" panose="02020603050405020304" pitchFamily="18" charset="0"/>
             </a:endParaRPr>
@@ -4225,24 +4393,92 @@
           <a:lstStyle/>
           <a:p>
             <a:r>
-              <a:rPr lang="en-US" dirty="0"/>
-              <a:t>Simple solution:</a:t>
+              <a:rPr lang="en-US" dirty="0">
+                <a:latin typeface="Times New Roman" panose="02020603050405020304" pitchFamily="18" charset="0"/>
+                <a:cs typeface="Times New Roman" panose="02020603050405020304" pitchFamily="18" charset="0"/>
+              </a:rPr>
+              <a:t>Baseline solution:</a:t>
             </a:r>
           </a:p>
           <a:p>
             <a:pPr lvl="1"/>
             <a:r>
-              <a:rPr lang="en-US" dirty="0"/>
-              <a:t>Replace words with high privacy risk (e.g. cancer</a:t>
-            </a:r>
-            <a:r>
-              <a:rPr lang="en-US"/>
-              <a:t>, pregnancy)</a:t>
+              <a:rPr lang="en-US" dirty="0">
+                <a:latin typeface="Times New Roman" panose="02020603050405020304" pitchFamily="18" charset="0"/>
+                <a:cs typeface="Times New Roman" panose="02020603050405020304" pitchFamily="18" charset="0"/>
+              </a:rPr>
+              <a:t>Delete words with high privacy risk (e.g. cancer, pregnancy)</a:t>
             </a:r>
           </a:p>
           <a:p>
             <a:pPr lvl="1"/>
-            <a:endParaRPr lang="en-US"/>
+            <a:r>
+              <a:rPr lang="en-US" dirty="0">
+                <a:latin typeface="Times New Roman" panose="02020603050405020304" pitchFamily="18" charset="0"/>
+                <a:cs typeface="Times New Roman" panose="02020603050405020304" pitchFamily="18" charset="0"/>
+              </a:rPr>
+              <a:t>Mutate words randomly</a:t>
+            </a:r>
+          </a:p>
+          <a:p>
+            <a:pPr lvl="1"/>
+            <a:r>
+              <a:rPr lang="en-US" dirty="0">
+                <a:latin typeface="Times New Roman" panose="02020603050405020304" pitchFamily="18" charset="0"/>
+                <a:cs typeface="Times New Roman" panose="02020603050405020304" pitchFamily="18" charset="0"/>
+              </a:rPr>
+              <a:t>Mutate words with differential privacy</a:t>
+            </a:r>
+          </a:p>
+          <a:p>
+            <a:r>
+              <a:rPr lang="en-US" dirty="0">
+                <a:latin typeface="Times New Roman" panose="02020603050405020304" pitchFamily="18" charset="0"/>
+                <a:cs typeface="Times New Roman" panose="02020603050405020304" pitchFamily="18" charset="0"/>
+              </a:rPr>
+              <a:t>Limitations:</a:t>
+            </a:r>
+          </a:p>
+          <a:p>
+            <a:pPr lvl="1"/>
+            <a:r>
+              <a:rPr lang="en-US" dirty="0">
+                <a:latin typeface="Times New Roman" panose="02020603050405020304" pitchFamily="18" charset="0"/>
+                <a:cs typeface="Times New Roman" panose="02020603050405020304" pitchFamily="18" charset="0"/>
+              </a:rPr>
+              <a:t>May not capture the correlation among words in the query</a:t>
+            </a:r>
+          </a:p>
+          <a:p>
+            <a:pPr lvl="1"/>
+            <a:r>
+              <a:rPr lang="en-US" dirty="0">
+                <a:latin typeface="Times New Roman" panose="02020603050405020304" pitchFamily="18" charset="0"/>
+                <a:cs typeface="Times New Roman" panose="02020603050405020304" pitchFamily="18" charset="0"/>
+              </a:rPr>
+              <a:t>Context-free, no adversary</a:t>
+            </a:r>
+          </a:p>
+          <a:p>
+            <a:pPr lvl="1"/>
+            <a:endParaRPr lang="en-US" dirty="0">
+              <a:latin typeface="Times New Roman" panose="02020603050405020304" pitchFamily="18" charset="0"/>
+              <a:cs typeface="Times New Roman" panose="02020603050405020304" pitchFamily="18" charset="0"/>
+            </a:endParaRPr>
+          </a:p>
+          <a:p>
+            <a:pPr lvl="1"/>
+            <a:endParaRPr lang="en-US" dirty="0">
+              <a:latin typeface="Times New Roman" panose="02020603050405020304" pitchFamily="18" charset="0"/>
+              <a:cs typeface="Times New Roman" panose="02020603050405020304" pitchFamily="18" charset="0"/>
+            </a:endParaRPr>
+          </a:p>
+          <a:p>
+            <a:pPr lvl="1"/>
+            <a:endParaRPr lang="en-US" dirty="0">
+              <a:latin typeface="Times New Roman" panose="02020603050405020304" pitchFamily="18" charset="0"/>
+              <a:cs typeface="Times New Roman" panose="02020603050405020304" pitchFamily="18" charset="0"/>
+            </a:endParaRPr>
           </a:p>
         </p:txBody>
       </p:sp>
@@ -4299,25 +4535,27 @@
           </a:xfrm>
         </p:spPr>
         <p:txBody>
-          <a:bodyPr/>
-          <a:lstStyle/>
-          <a:p>
-            <a:r>
-              <a:rPr lang="en-US" dirty="0">
+          <a:bodyPr>
+            <a:normAutofit/>
+          </a:bodyPr>
+          <a:lstStyle/>
+          <a:p>
+            <a:r>
+              <a:rPr lang="en-US" sz="4000" dirty="0">
                 <a:latin typeface="Times New Roman" panose="02020603050405020304" pitchFamily="18" charset="0"/>
                 <a:cs typeface="Times New Roman" panose="02020603050405020304" pitchFamily="18" charset="0"/>
               </a:rPr>
-              <a:t>Approach: </a:t>
-            </a:r>
-            <a:r>
-              <a:rPr lang="en-US" dirty="0" err="1">
+              <a:t>Our approach: </a:t>
+            </a:r>
+            <a:r>
+              <a:rPr lang="en-US" sz="4000" dirty="0" err="1">
                 <a:latin typeface="Times New Roman" panose="02020603050405020304" pitchFamily="18" charset="0"/>
                 <a:cs typeface="Times New Roman" panose="02020603050405020304" pitchFamily="18" charset="0"/>
               </a:rPr>
               <a:t>SeqGAN</a:t>
             </a:r>
             <a:r>
-              <a:rPr lang="en-US" dirty="0">
+              <a:rPr lang="en-US" sz="4000" dirty="0">
                 <a:latin typeface="Times New Roman" panose="02020603050405020304" pitchFamily="18" charset="0"/>
                 <a:cs typeface="Times New Roman" panose="02020603050405020304" pitchFamily="18" charset="0"/>
               </a:rPr>
@@ -6184,6 +6422,304 @@
           <p:cNvPr id="2" name="Title 1">
             <a:extLst>
               <a:ext uri="{FF2B5EF4-FFF2-40B4-BE49-F238E27FC236}">
+                <a16:creationId xmlns:a16="http://schemas.microsoft.com/office/drawing/2014/main" id="{1A7636D2-574B-D845-AC14-FFC7730048CF}"/>
+              </a:ext>
+            </a:extLst>
+          </p:cNvPr>
+          <p:cNvSpPr>
+            <a:spLocks noGrp="1"/>
+          </p:cNvSpPr>
+          <p:nvPr>
+            <p:ph type="title"/>
+          </p:nvPr>
+        </p:nvSpPr>
+        <p:spPr/>
+        <p:txBody>
+          <a:bodyPr/>
+          <a:lstStyle/>
+          <a:p>
+            <a:r>
+              <a:rPr lang="en-US" dirty="0"/>
+              <a:t>Policy gradient (theory part)</a:t>
+            </a:r>
+          </a:p>
+        </p:txBody>
+      </p:sp>
+      <p:pic>
+        <p:nvPicPr>
+          <p:cNvPr id="5" name="Picture 4" descr="A picture containing object, clock&#10;&#10;Description automatically generated">
+            <a:extLst>
+              <a:ext uri="{FF2B5EF4-FFF2-40B4-BE49-F238E27FC236}">
+                <a16:creationId xmlns:a16="http://schemas.microsoft.com/office/drawing/2014/main" id="{EAE42D8F-9320-9845-9582-95BC4FB378B3}"/>
+              </a:ext>
+            </a:extLst>
+          </p:cNvPr>
+          <p:cNvPicPr>
+            <a:picLocks noChangeAspect="1"/>
+          </p:cNvPicPr>
+          <p:nvPr/>
+        </p:nvPicPr>
+        <p:blipFill>
+          <a:blip r:embed="rId2"/>
+          <a:stretch>
+            <a:fillRect/>
+          </a:stretch>
+        </p:blipFill>
+        <p:spPr>
+          <a:xfrm>
+            <a:off x="573090" y="1604963"/>
+            <a:ext cx="5070474" cy="651174"/>
+          </a:xfrm>
+          <a:prstGeom prst="rect">
+            <a:avLst/>
+          </a:prstGeom>
+        </p:spPr>
+      </p:pic>
+      <p:pic>
+        <p:nvPicPr>
+          <p:cNvPr id="7" name="Picture 6">
+            <a:extLst>
+              <a:ext uri="{FF2B5EF4-FFF2-40B4-BE49-F238E27FC236}">
+                <a16:creationId xmlns:a16="http://schemas.microsoft.com/office/drawing/2014/main" id="{115EF13E-7F35-1E46-BC0C-D38F6BA3B0BD}"/>
+              </a:ext>
+            </a:extLst>
+          </p:cNvPr>
+          <p:cNvPicPr>
+            <a:picLocks noChangeAspect="1"/>
+          </p:cNvPicPr>
+          <p:nvPr/>
+        </p:nvPicPr>
+        <p:blipFill>
+          <a:blip r:embed="rId3"/>
+          <a:stretch>
+            <a:fillRect/>
+          </a:stretch>
+        </p:blipFill>
+        <p:spPr>
+          <a:xfrm>
+            <a:off x="915989" y="2254693"/>
+            <a:ext cx="4756149" cy="504581"/>
+          </a:xfrm>
+          <a:prstGeom prst="rect">
+            <a:avLst/>
+          </a:prstGeom>
+        </p:spPr>
+      </p:pic>
+      <p:pic>
+        <p:nvPicPr>
+          <p:cNvPr id="9" name="Picture 8" descr="A close up of a logo&#10;&#10;Description automatically generated">
+            <a:extLst>
+              <a:ext uri="{FF2B5EF4-FFF2-40B4-BE49-F238E27FC236}">
+                <a16:creationId xmlns:a16="http://schemas.microsoft.com/office/drawing/2014/main" id="{F5425F63-8710-F149-A119-5CA9283E964E}"/>
+              </a:ext>
+            </a:extLst>
+          </p:cNvPr>
+          <p:cNvPicPr>
+            <a:picLocks noChangeAspect="1"/>
+          </p:cNvPicPr>
+          <p:nvPr/>
+        </p:nvPicPr>
+        <p:blipFill>
+          <a:blip r:embed="rId4"/>
+          <a:stretch>
+            <a:fillRect/>
+          </a:stretch>
+        </p:blipFill>
+        <p:spPr>
+          <a:xfrm>
+            <a:off x="1276346" y="2782888"/>
+            <a:ext cx="4381504" cy="547688"/>
+          </a:xfrm>
+          <a:prstGeom prst="rect">
+            <a:avLst/>
+          </a:prstGeom>
+        </p:spPr>
+      </p:pic>
+      <p:pic>
+        <p:nvPicPr>
+          <p:cNvPr id="11" name="Picture 10" descr="A picture containing knife&#10;&#10;Description automatically generated">
+            <a:extLst>
+              <a:ext uri="{FF2B5EF4-FFF2-40B4-BE49-F238E27FC236}">
+                <a16:creationId xmlns:a16="http://schemas.microsoft.com/office/drawing/2014/main" id="{8FCE2D28-377C-2447-9FB4-887EB48F979E}"/>
+              </a:ext>
+            </a:extLst>
+          </p:cNvPr>
+          <p:cNvPicPr>
+            <a:picLocks noChangeAspect="1"/>
+          </p:cNvPicPr>
+          <p:nvPr/>
+        </p:nvPicPr>
+        <p:blipFill>
+          <a:blip r:embed="rId5"/>
+          <a:stretch>
+            <a:fillRect/>
+          </a:stretch>
+        </p:blipFill>
+        <p:spPr>
+          <a:xfrm>
+            <a:off x="749304" y="3326311"/>
+            <a:ext cx="5070474" cy="1000751"/>
+          </a:xfrm>
+          <a:prstGeom prst="rect">
+            <a:avLst/>
+          </a:prstGeom>
+        </p:spPr>
+      </p:pic>
+      <p:pic>
+        <p:nvPicPr>
+          <p:cNvPr id="13" name="Picture 12">
+            <a:extLst>
+              <a:ext uri="{FF2B5EF4-FFF2-40B4-BE49-F238E27FC236}">
+                <a16:creationId xmlns:a16="http://schemas.microsoft.com/office/drawing/2014/main" id="{73ECE17B-8A5E-0744-AA0A-BFE5CB7272B2}"/>
+              </a:ext>
+            </a:extLst>
+          </p:cNvPr>
+          <p:cNvPicPr>
+            <a:picLocks noChangeAspect="1"/>
+          </p:cNvPicPr>
+          <p:nvPr/>
+        </p:nvPicPr>
+        <p:blipFill>
+          <a:blip r:embed="rId6"/>
+          <a:stretch>
+            <a:fillRect/>
+          </a:stretch>
+        </p:blipFill>
+        <p:spPr>
+          <a:xfrm>
+            <a:off x="1112838" y="4362930"/>
+            <a:ext cx="4559300" cy="495300"/>
+          </a:xfrm>
+          <a:prstGeom prst="rect">
+            <a:avLst/>
+          </a:prstGeom>
+        </p:spPr>
+      </p:pic>
+      <p:pic>
+        <p:nvPicPr>
+          <p:cNvPr id="15" name="Picture 14">
+            <a:extLst>
+              <a:ext uri="{FF2B5EF4-FFF2-40B4-BE49-F238E27FC236}">
+                <a16:creationId xmlns:a16="http://schemas.microsoft.com/office/drawing/2014/main" id="{7988F4E0-DA06-FB46-A0F6-CD144070BA4A}"/>
+              </a:ext>
+            </a:extLst>
+          </p:cNvPr>
+          <p:cNvPicPr>
+            <a:picLocks noChangeAspect="1"/>
+          </p:cNvPicPr>
+          <p:nvPr/>
+        </p:nvPicPr>
+        <p:blipFill>
+          <a:blip r:embed="rId7"/>
+          <a:stretch>
+            <a:fillRect/>
+          </a:stretch>
+        </p:blipFill>
+        <p:spPr>
+          <a:xfrm>
+            <a:off x="7530178" y="3882562"/>
+            <a:ext cx="3619500" cy="444500"/>
+          </a:xfrm>
+          <a:prstGeom prst="rect">
+            <a:avLst/>
+          </a:prstGeom>
+        </p:spPr>
+      </p:pic>
+      <p:pic>
+        <p:nvPicPr>
+          <p:cNvPr id="17" name="Picture 16" descr="A picture containing knife&#10;&#10;Description automatically generated">
+            <a:extLst>
+              <a:ext uri="{FF2B5EF4-FFF2-40B4-BE49-F238E27FC236}">
+                <a16:creationId xmlns:a16="http://schemas.microsoft.com/office/drawing/2014/main" id="{4D3C40DD-EB70-3343-8AD6-8CB7DD297FF0}"/>
+              </a:ext>
+            </a:extLst>
+          </p:cNvPr>
+          <p:cNvPicPr>
+            <a:picLocks noChangeAspect="1"/>
+          </p:cNvPicPr>
+          <p:nvPr/>
+        </p:nvPicPr>
+        <p:blipFill>
+          <a:blip r:embed="rId8"/>
+          <a:stretch>
+            <a:fillRect/>
+          </a:stretch>
+        </p:blipFill>
+        <p:spPr>
+          <a:xfrm>
+            <a:off x="6644131" y="2231880"/>
+            <a:ext cx="4889500" cy="1765300"/>
+          </a:xfrm>
+          <a:prstGeom prst="rect">
+            <a:avLst/>
+          </a:prstGeom>
+        </p:spPr>
+      </p:pic>
+      <p:pic>
+        <p:nvPicPr>
+          <p:cNvPr id="19" name="Picture 18" descr="A picture containing knife, table&#10;&#10;Description automatically generated">
+            <a:extLst>
+              <a:ext uri="{FF2B5EF4-FFF2-40B4-BE49-F238E27FC236}">
+                <a16:creationId xmlns:a16="http://schemas.microsoft.com/office/drawing/2014/main" id="{A5AB7E51-AA08-7D49-ABBE-C3F3A81810D8}"/>
+              </a:ext>
+            </a:extLst>
+          </p:cNvPr>
+          <p:cNvPicPr>
+            <a:picLocks noChangeAspect="1"/>
+          </p:cNvPicPr>
+          <p:nvPr/>
+        </p:nvPicPr>
+        <p:blipFill>
+          <a:blip r:embed="rId9"/>
+          <a:stretch>
+            <a:fillRect/>
+          </a:stretch>
+        </p:blipFill>
+        <p:spPr>
+          <a:xfrm>
+            <a:off x="1062038" y="4778451"/>
+            <a:ext cx="4660900" cy="825500"/>
+          </a:xfrm>
+          <a:prstGeom prst="rect">
+            <a:avLst/>
+          </a:prstGeom>
+        </p:spPr>
+      </p:pic>
+    </p:spTree>
+    <p:extLst>
+      <p:ext uri="{BB962C8B-B14F-4D97-AF65-F5344CB8AC3E}">
+        <p14:creationId xmlns:p14="http://schemas.microsoft.com/office/powerpoint/2010/main" val="734321386"/>
+      </p:ext>
+    </p:extLst>
+  </p:cSld>
+  <p:clrMapOvr>
+    <a:masterClrMapping/>
+  </p:clrMapOvr>
+</p:sld>
+</file>
+
+<file path=ppt/slides/slide6.xml><?xml version="1.0" encoding="utf-8"?>
+<p:sld xmlns:a="http://schemas.openxmlformats.org/drawingml/2006/main" xmlns:r="http://schemas.openxmlformats.org/officeDocument/2006/relationships" xmlns:p="http://schemas.openxmlformats.org/presentationml/2006/main">
+  <p:cSld>
+    <p:spTree>
+      <p:nvGrpSpPr>
+        <p:cNvPr id="1" name=""/>
+        <p:cNvGrpSpPr/>
+        <p:nvPr/>
+      </p:nvGrpSpPr>
+      <p:grpSpPr>
+        <a:xfrm>
+          <a:off x="0" y="0"/>
+          <a:ext cx="0" cy="0"/>
+          <a:chOff x="0" y="0"/>
+          <a:chExt cx="0" cy="0"/>
+        </a:xfrm>
+      </p:grpSpPr>
+      <p:sp>
+        <p:nvSpPr>
+          <p:cNvPr id="2" name="Title 1">
+            <a:extLst>
+              <a:ext uri="{FF2B5EF4-FFF2-40B4-BE49-F238E27FC236}">
                 <a16:creationId xmlns:a16="http://schemas.microsoft.com/office/drawing/2014/main" id="{86691BBF-A4D9-AE4A-BF14-D9175EE7D410}"/>
               </a:ext>
             </a:extLst>
@@ -6426,161 +6962,6 @@
 </p:sld>
 </file>
 
-<file path=ppt/slides/slide6.xml><?xml version="1.0" encoding="utf-8"?>
-<p:sld xmlns:a="http://schemas.openxmlformats.org/drawingml/2006/main" xmlns:r="http://schemas.openxmlformats.org/officeDocument/2006/relationships" xmlns:p="http://schemas.openxmlformats.org/presentationml/2006/main">
-  <p:cSld>
-    <p:spTree>
-      <p:nvGrpSpPr>
-        <p:cNvPr id="1" name=""/>
-        <p:cNvGrpSpPr/>
-        <p:nvPr/>
-      </p:nvGrpSpPr>
-      <p:grpSpPr>
-        <a:xfrm>
-          <a:off x="0" y="0"/>
-          <a:ext cx="0" cy="0"/>
-          <a:chOff x="0" y="0"/>
-          <a:chExt cx="0" cy="0"/>
-        </a:xfrm>
-      </p:grpSpPr>
-      <p:sp>
-        <p:nvSpPr>
-          <p:cNvPr id="2" name="Title 1">
-            <a:extLst>
-              <a:ext uri="{FF2B5EF4-FFF2-40B4-BE49-F238E27FC236}">
-                <a16:creationId xmlns:a16="http://schemas.microsoft.com/office/drawing/2014/main" id="{2DFFF175-906D-4E4F-BE43-6F903C870EFC}"/>
-              </a:ext>
-            </a:extLst>
-          </p:cNvPr>
-          <p:cNvSpPr>
-            <a:spLocks noGrp="1"/>
-          </p:cNvSpPr>
-          <p:nvPr>
-            <p:ph type="title"/>
-          </p:nvPr>
-        </p:nvSpPr>
-        <p:spPr/>
-        <p:txBody>
-          <a:bodyPr/>
-          <a:lstStyle/>
-          <a:p>
-            <a:r>
-              <a:rPr lang="en-US" dirty="0"/>
-              <a:t>Evaluation </a:t>
-            </a:r>
-            <a:br>
-              <a:rPr lang="en-US" dirty="0"/>
-            </a:br>
-            <a:r>
-              <a:rPr lang="en-US" dirty="0"/>
-              <a:t>(First epoch)</a:t>
-            </a:r>
-          </a:p>
-        </p:txBody>
-      </p:sp>
-      <p:pic>
-        <p:nvPicPr>
-          <p:cNvPr id="5" name="Picture 4" descr="A screenshot of a cell phone&#10;&#10;Description automatically generated">
-            <a:extLst>
-              <a:ext uri="{FF2B5EF4-FFF2-40B4-BE49-F238E27FC236}">
-                <a16:creationId xmlns:a16="http://schemas.microsoft.com/office/drawing/2014/main" id="{E43F6886-5F36-7C4E-ACF2-F454AC62486E}"/>
-              </a:ext>
-            </a:extLst>
-          </p:cNvPr>
-          <p:cNvPicPr>
-            <a:picLocks noChangeAspect="1"/>
-          </p:cNvPicPr>
-          <p:nvPr/>
-        </p:nvPicPr>
-        <p:blipFill>
-          <a:blip r:embed="rId2"/>
-          <a:stretch>
-            <a:fillRect/>
-          </a:stretch>
-        </p:blipFill>
-        <p:spPr>
-          <a:xfrm>
-            <a:off x="4991057" y="312738"/>
-            <a:ext cx="4584700" cy="2755900"/>
-          </a:xfrm>
-          <a:prstGeom prst="rect">
-            <a:avLst/>
-          </a:prstGeom>
-        </p:spPr>
-      </p:pic>
-      <p:pic>
-        <p:nvPicPr>
-          <p:cNvPr id="7" name="Picture 6" descr="A screenshot of a cell phone&#10;&#10;Description automatically generated">
-            <a:extLst>
-              <a:ext uri="{FF2B5EF4-FFF2-40B4-BE49-F238E27FC236}">
-                <a16:creationId xmlns:a16="http://schemas.microsoft.com/office/drawing/2014/main" id="{2721E4EC-42F4-5848-9A39-A7262C07772D}"/>
-              </a:ext>
-            </a:extLst>
-          </p:cNvPr>
-          <p:cNvPicPr>
-            <a:picLocks noChangeAspect="1"/>
-          </p:cNvPicPr>
-          <p:nvPr/>
-        </p:nvPicPr>
-        <p:blipFill>
-          <a:blip r:embed="rId3"/>
-          <a:stretch>
-            <a:fillRect/>
-          </a:stretch>
-        </p:blipFill>
-        <p:spPr>
-          <a:xfrm>
-            <a:off x="1354870" y="3429000"/>
-            <a:ext cx="4584700" cy="2755900"/>
-          </a:xfrm>
-          <a:prstGeom prst="rect">
-            <a:avLst/>
-          </a:prstGeom>
-        </p:spPr>
-      </p:pic>
-      <p:pic>
-        <p:nvPicPr>
-          <p:cNvPr id="9" name="Picture 8" descr="A screenshot of a cell phone&#10;&#10;Description automatically generated">
-            <a:extLst>
-              <a:ext uri="{FF2B5EF4-FFF2-40B4-BE49-F238E27FC236}">
-                <a16:creationId xmlns:a16="http://schemas.microsoft.com/office/drawing/2014/main" id="{74153423-3B78-F847-8DE7-A9F128FFAE80}"/>
-              </a:ext>
-            </a:extLst>
-          </p:cNvPr>
-          <p:cNvPicPr>
-            <a:picLocks noChangeAspect="1"/>
-          </p:cNvPicPr>
-          <p:nvPr/>
-        </p:nvPicPr>
-        <p:blipFill>
-          <a:blip r:embed="rId4"/>
-          <a:stretch>
-            <a:fillRect/>
-          </a:stretch>
-        </p:blipFill>
-        <p:spPr>
-          <a:xfrm>
-            <a:off x="6905545" y="3463452"/>
-            <a:ext cx="4584700" cy="2755900"/>
-          </a:xfrm>
-          <a:prstGeom prst="rect">
-            <a:avLst/>
-          </a:prstGeom>
-        </p:spPr>
-      </p:pic>
-    </p:spTree>
-    <p:extLst>
-      <p:ext uri="{BB962C8B-B14F-4D97-AF65-F5344CB8AC3E}">
-        <p14:creationId xmlns:p14="http://schemas.microsoft.com/office/powerpoint/2010/main" val="1713694869"/>
-      </p:ext>
-    </p:extLst>
-  </p:cSld>
-  <p:clrMapOvr>
-    <a:masterClrMapping/>
-  </p:clrMapOvr>
-</p:sld>
-</file>
-
 <file path=ppt/slides/slide7.xml><?xml version="1.0" encoding="utf-8"?>
 <p:sld xmlns:a="http://schemas.openxmlformats.org/drawingml/2006/main" xmlns:r="http://schemas.openxmlformats.org/officeDocument/2006/relationships" xmlns:p="http://schemas.openxmlformats.org/presentationml/2006/main">
   <p:cSld>
@@ -6603,7 +6984,7 @@
           <p:cNvPr id="2" name="Title 1">
             <a:extLst>
               <a:ext uri="{FF2B5EF4-FFF2-40B4-BE49-F238E27FC236}">
-                <a16:creationId xmlns:a16="http://schemas.microsoft.com/office/drawing/2014/main" id="{6A3CF716-6FB5-8840-A662-85683A7D7613}"/>
+                <a16:creationId xmlns:a16="http://schemas.microsoft.com/office/drawing/2014/main" id="{2DFFF175-906D-4E4F-BE43-6F903C870EFC}"/>
               </a:ext>
             </a:extLst>
           </p:cNvPr>
@@ -6621,70 +7002,176 @@
           <a:p>
             <a:r>
               <a:rPr lang="en-US" dirty="0"/>
-              <a:t>Content</a:t>
-            </a:r>
-          </a:p>
-        </p:txBody>
-      </p:sp>
-      <p:sp>
-        <p:nvSpPr>
-          <p:cNvPr id="3" name="Content Placeholder 2">
-            <a:extLst>
-              <a:ext uri="{FF2B5EF4-FFF2-40B4-BE49-F238E27FC236}">
-                <a16:creationId xmlns:a16="http://schemas.microsoft.com/office/drawing/2014/main" id="{DCFF9215-F422-1D49-9755-74B031AA8C5F}"/>
-              </a:ext>
-            </a:extLst>
-          </p:cNvPr>
-          <p:cNvSpPr>
-            <a:spLocks noGrp="1"/>
-          </p:cNvSpPr>
-          <p:nvPr>
-            <p:ph idx="1"/>
-          </p:nvPr>
-        </p:nvSpPr>
-        <p:spPr/>
-        <p:txBody>
-          <a:bodyPr/>
-          <a:lstStyle/>
-          <a:p>
-            <a:r>
-              <a:rPr lang="en-US" dirty="0"/>
-              <a:t>Introduction</a:t>
-            </a:r>
-          </a:p>
-          <a:p>
-            <a:r>
-              <a:rPr lang="en-US" dirty="0"/>
-              <a:t>Related work</a:t>
-            </a:r>
-          </a:p>
-          <a:p>
-            <a:r>
-              <a:rPr lang="en-US" dirty="0"/>
-              <a:t>Approach</a:t>
-            </a:r>
-          </a:p>
-          <a:p>
-            <a:r>
-              <a:rPr lang="en-US" dirty="0"/>
-              <a:t>Evaluation</a:t>
-            </a:r>
-          </a:p>
-          <a:p>
-            <a:r>
-              <a:rPr lang="en-US" dirty="0"/>
-              <a:t>Conclusion</a:t>
-            </a:r>
-          </a:p>
-          <a:p>
-            <a:endParaRPr lang="en-US" dirty="0"/>
+              <a:t>Evaluation </a:t>
+            </a:r>
+          </a:p>
+        </p:txBody>
+      </p:sp>
+      <p:pic>
+        <p:nvPicPr>
+          <p:cNvPr id="13" name="Picture 12" descr="A screenshot of a cell phone&#10;&#10;Description automatically generated">
+            <a:extLst>
+              <a:ext uri="{FF2B5EF4-FFF2-40B4-BE49-F238E27FC236}">
+                <a16:creationId xmlns:a16="http://schemas.microsoft.com/office/drawing/2014/main" id="{AE6EA2A1-00BF-8643-B332-FB378FDD6188}"/>
+              </a:ext>
+            </a:extLst>
+          </p:cNvPr>
+          <p:cNvPicPr>
+            <a:picLocks noChangeAspect="1"/>
+          </p:cNvPicPr>
+          <p:nvPr/>
+        </p:nvPicPr>
+        <p:blipFill>
+          <a:blip r:embed="rId2"/>
+          <a:stretch>
+            <a:fillRect/>
+          </a:stretch>
+        </p:blipFill>
+        <p:spPr>
+          <a:xfrm>
+            <a:off x="557361" y="1690688"/>
+            <a:ext cx="5397500" cy="2832100"/>
+          </a:xfrm>
+          <a:prstGeom prst="rect">
+            <a:avLst/>
+          </a:prstGeom>
+        </p:spPr>
+      </p:pic>
+      <p:pic>
+        <p:nvPicPr>
+          <p:cNvPr id="15" name="Picture 14" descr="A screenshot of a cell phone&#10;&#10;Description automatically generated">
+            <a:extLst>
+              <a:ext uri="{FF2B5EF4-FFF2-40B4-BE49-F238E27FC236}">
+                <a16:creationId xmlns:a16="http://schemas.microsoft.com/office/drawing/2014/main" id="{89A6C484-4EEB-674D-849A-458AFC901BA2}"/>
+              </a:ext>
+            </a:extLst>
+          </p:cNvPr>
+          <p:cNvPicPr>
+            <a:picLocks noChangeAspect="1"/>
+          </p:cNvPicPr>
+          <p:nvPr/>
+        </p:nvPicPr>
+        <p:blipFill>
+          <a:blip r:embed="rId3"/>
+          <a:stretch>
+            <a:fillRect/>
+          </a:stretch>
+        </p:blipFill>
+        <p:spPr>
+          <a:xfrm>
+            <a:off x="6502400" y="536575"/>
+            <a:ext cx="4584700" cy="2755900"/>
+          </a:xfrm>
+          <a:prstGeom prst="rect">
+            <a:avLst/>
+          </a:prstGeom>
+        </p:spPr>
+      </p:pic>
+      <p:pic>
+        <p:nvPicPr>
+          <p:cNvPr id="17" name="Picture 16" descr="A screenshot of a cell phone&#10;&#10;Description automatically generated">
+            <a:extLst>
+              <a:ext uri="{FF2B5EF4-FFF2-40B4-BE49-F238E27FC236}">
+                <a16:creationId xmlns:a16="http://schemas.microsoft.com/office/drawing/2014/main" id="{1CFF12F7-C892-0148-BCBB-9AEC2A1B8086}"/>
+              </a:ext>
+            </a:extLst>
+          </p:cNvPr>
+          <p:cNvPicPr>
+            <a:picLocks noChangeAspect="1"/>
+          </p:cNvPicPr>
+          <p:nvPr/>
+        </p:nvPicPr>
+        <p:blipFill>
+          <a:blip r:embed="rId4"/>
+          <a:stretch>
+            <a:fillRect/>
+          </a:stretch>
+        </p:blipFill>
+        <p:spPr>
+          <a:xfrm>
+            <a:off x="6502400" y="3463925"/>
+            <a:ext cx="4584700" cy="2755900"/>
+          </a:xfrm>
+          <a:prstGeom prst="rect">
+            <a:avLst/>
+          </a:prstGeom>
+        </p:spPr>
+      </p:pic>
+      <p:pic>
+        <p:nvPicPr>
+          <p:cNvPr id="19" name="Picture 18" descr="A picture containing strainer&#10;&#10;Description automatically generated">
+            <a:extLst>
+              <a:ext uri="{FF2B5EF4-FFF2-40B4-BE49-F238E27FC236}">
+                <a16:creationId xmlns:a16="http://schemas.microsoft.com/office/drawing/2014/main" id="{BF44243B-1BD0-3C4A-920F-A38BF6C7A08E}"/>
+              </a:ext>
+            </a:extLst>
+          </p:cNvPr>
+          <p:cNvPicPr>
+            <a:picLocks noChangeAspect="1"/>
+          </p:cNvPicPr>
+          <p:nvPr/>
+        </p:nvPicPr>
+        <p:blipFill>
+          <a:blip r:embed="rId5"/>
+          <a:stretch>
+            <a:fillRect/>
+          </a:stretch>
+        </p:blipFill>
+        <p:spPr>
+          <a:xfrm>
+            <a:off x="286272" y="4784651"/>
+            <a:ext cx="5943479" cy="925476"/>
+          </a:xfrm>
+          <a:prstGeom prst="rect">
+            <a:avLst/>
+          </a:prstGeom>
+        </p:spPr>
+      </p:pic>
+      <p:sp>
+        <p:nvSpPr>
+          <p:cNvPr id="20" name="TextBox 19">
+            <a:extLst>
+              <a:ext uri="{FF2B5EF4-FFF2-40B4-BE49-F238E27FC236}">
+                <a16:creationId xmlns:a16="http://schemas.microsoft.com/office/drawing/2014/main" id="{A456D1BA-9227-7544-A00B-72E36CD67FA8}"/>
+              </a:ext>
+            </a:extLst>
+          </p:cNvPr>
+          <p:cNvSpPr txBox="1"/>
+          <p:nvPr/>
+        </p:nvSpPr>
+        <p:spPr>
+          <a:xfrm>
+            <a:off x="1007324" y="5818101"/>
+            <a:ext cx="4497573" cy="307777"/>
+          </a:xfrm>
+          <a:prstGeom prst="rect">
+            <a:avLst/>
+          </a:prstGeom>
+          <a:noFill/>
+        </p:spPr>
+        <p:txBody>
+          <a:bodyPr wrap="square" rtlCol="0">
+            <a:spAutoFit/>
+          </a:bodyPr>
+          <a:lstStyle/>
+          <a:p>
+            <a:r>
+              <a:rPr lang="en-US" sz="1400" b="1" dirty="0">
+                <a:solidFill>
+                  <a:srgbClr val="C00000"/>
+                </a:solidFill>
+                <a:latin typeface="Times New Roman" panose="02020603050405020304" pitchFamily="18" charset="0"/>
+                <a:cs typeface="Times New Roman" panose="02020603050405020304" pitchFamily="18" charset="0"/>
+              </a:rPr>
+              <a:t>Explanation: MLE loss -&gt; 0 (Identity transformation)</a:t>
+            </a:r>
           </a:p>
         </p:txBody>
       </p:sp>
     </p:spTree>
     <p:extLst>
       <p:ext uri="{BB962C8B-B14F-4D97-AF65-F5344CB8AC3E}">
-        <p14:creationId xmlns:p14="http://schemas.microsoft.com/office/powerpoint/2010/main" val="204335413"/>
+        <p14:creationId xmlns:p14="http://schemas.microsoft.com/office/powerpoint/2010/main" val="1713694869"/>
       </p:ext>
     </p:extLst>
   </p:cSld>
@@ -6716,7 +7203,7 @@
           <p:cNvPr id="2" name="Title 1">
             <a:extLst>
               <a:ext uri="{FF2B5EF4-FFF2-40B4-BE49-F238E27FC236}">
-                <a16:creationId xmlns:a16="http://schemas.microsoft.com/office/drawing/2014/main" id="{D66DADA5-4D2C-DC4B-B49F-48749A3FE431}"/>
+                <a16:creationId xmlns:a16="http://schemas.microsoft.com/office/drawing/2014/main" id="{EB10059F-7BA8-9C49-A948-1D749CD866A2}"/>
               </a:ext>
             </a:extLst>
           </p:cNvPr>
@@ -6734,7 +7221,7 @@
           <a:p>
             <a:r>
               <a:rPr lang="en-US" dirty="0"/>
-              <a:t>Introduction</a:t>
+              <a:t>To do: </a:t>
             </a:r>
           </a:p>
         </p:txBody>
@@ -6744,7 +7231,7 @@
           <p:cNvPr id="3" name="Content Placeholder 2">
             <a:extLst>
               <a:ext uri="{FF2B5EF4-FFF2-40B4-BE49-F238E27FC236}">
-                <a16:creationId xmlns:a16="http://schemas.microsoft.com/office/drawing/2014/main" id="{3913FB64-209D-9A44-B475-727D53C1FA02}"/>
+                <a16:creationId xmlns:a16="http://schemas.microsoft.com/office/drawing/2014/main" id="{69630832-D3A0-F94E-A0D6-9C088DFCA57F}"/>
               </a:ext>
             </a:extLst>
           </p:cNvPr>
@@ -6760,14 +7247,20 @@
           <a:bodyPr/>
           <a:lstStyle/>
           <a:p>
-            <a:endParaRPr lang="en-US"/>
+            <a:r>
+              <a:rPr lang="en-US" dirty="0"/>
+              <a:t>Change the weights of each part in loss function</a:t>
+            </a:r>
+          </a:p>
+          <a:p>
+            <a:endParaRPr lang="en-US" dirty="0"/>
           </a:p>
         </p:txBody>
       </p:sp>
     </p:spTree>
     <p:extLst>
       <p:ext uri="{BB962C8B-B14F-4D97-AF65-F5344CB8AC3E}">
-        <p14:creationId xmlns:p14="http://schemas.microsoft.com/office/powerpoint/2010/main" val="1248642269"/>
+        <p14:creationId xmlns:p14="http://schemas.microsoft.com/office/powerpoint/2010/main" val="3347057087"/>
       </p:ext>
     </p:extLst>
   </p:cSld>
@@ -6799,7 +7292,7 @@
           <p:cNvPr id="2" name="Title 1">
             <a:extLst>
               <a:ext uri="{FF2B5EF4-FFF2-40B4-BE49-F238E27FC236}">
-                <a16:creationId xmlns:a16="http://schemas.microsoft.com/office/drawing/2014/main" id="{D66DADA5-4D2C-DC4B-B49F-48749A3FE431}"/>
+                <a16:creationId xmlns:a16="http://schemas.microsoft.com/office/drawing/2014/main" id="{6A3CF716-6FB5-8840-A662-85683A7D7613}"/>
               </a:ext>
             </a:extLst>
           </p:cNvPr>
@@ -6814,43 +7307,73 @@
         <p:txBody>
           <a:bodyPr/>
           <a:lstStyle/>
+          <a:p>
+            <a:r>
+              <a:rPr lang="en-US" dirty="0"/>
+              <a:t>Content</a:t>
+            </a:r>
+          </a:p>
+        </p:txBody>
+      </p:sp>
+      <p:sp>
+        <p:nvSpPr>
+          <p:cNvPr id="3" name="Content Placeholder 2">
+            <a:extLst>
+              <a:ext uri="{FF2B5EF4-FFF2-40B4-BE49-F238E27FC236}">
+                <a16:creationId xmlns:a16="http://schemas.microsoft.com/office/drawing/2014/main" id="{DCFF9215-F422-1D49-9755-74B031AA8C5F}"/>
+              </a:ext>
+            </a:extLst>
+          </p:cNvPr>
+          <p:cNvSpPr>
+            <a:spLocks noGrp="1"/>
+          </p:cNvSpPr>
+          <p:nvPr>
+            <p:ph idx="1"/>
+          </p:nvPr>
+        </p:nvSpPr>
+        <p:spPr/>
+        <p:txBody>
+          <a:bodyPr/>
+          <a:lstStyle/>
+          <a:p>
+            <a:r>
+              <a:rPr lang="en-US" dirty="0"/>
+              <a:t>Introduction</a:t>
+            </a:r>
+          </a:p>
+          <a:p>
+            <a:r>
+              <a:rPr lang="en-US" dirty="0"/>
+              <a:t>Related work</a:t>
+            </a:r>
+          </a:p>
+          <a:p>
+            <a:r>
+              <a:rPr lang="en-US" dirty="0"/>
+              <a:t>Approach</a:t>
+            </a:r>
+          </a:p>
+          <a:p>
+            <a:r>
+              <a:rPr lang="en-US" dirty="0"/>
+              <a:t>Evaluation</a:t>
+            </a:r>
+          </a:p>
           <a:p>
             <a:r>
               <a:rPr lang="en-US" dirty="0"/>
               <a:t>Conclusion</a:t>
             </a:r>
           </a:p>
-        </p:txBody>
-      </p:sp>
-      <p:sp>
-        <p:nvSpPr>
-          <p:cNvPr id="3" name="Content Placeholder 2">
-            <a:extLst>
-              <a:ext uri="{FF2B5EF4-FFF2-40B4-BE49-F238E27FC236}">
-                <a16:creationId xmlns:a16="http://schemas.microsoft.com/office/drawing/2014/main" id="{3913FB64-209D-9A44-B475-727D53C1FA02}"/>
-              </a:ext>
-            </a:extLst>
-          </p:cNvPr>
-          <p:cNvSpPr>
-            <a:spLocks noGrp="1"/>
-          </p:cNvSpPr>
-          <p:nvPr>
-            <p:ph idx="1"/>
-          </p:nvPr>
-        </p:nvSpPr>
-        <p:spPr/>
-        <p:txBody>
-          <a:bodyPr/>
-          <a:lstStyle/>
-          <a:p>
-            <a:endParaRPr lang="en-US"/>
+          <a:p>
+            <a:endParaRPr lang="en-US" dirty="0"/>
           </a:p>
         </p:txBody>
       </p:sp>
     </p:spTree>
     <p:extLst>
       <p:ext uri="{BB962C8B-B14F-4D97-AF65-F5344CB8AC3E}">
-        <p14:creationId xmlns:p14="http://schemas.microsoft.com/office/powerpoint/2010/main" val="3396268756"/>
+        <p14:creationId xmlns:p14="http://schemas.microsoft.com/office/powerpoint/2010/main" val="204335413"/>
       </p:ext>
     </p:extLst>
   </p:cSld>

--- a/doc/599-final-project.pptx
+++ b/doc/599-final-project.pptx
@@ -12,10 +12,14 @@
     <p:sldId id="265" r:id="rId6"/>
     <p:sldId id="258" r:id="rId7"/>
     <p:sldId id="261" r:id="rId8"/>
-    <p:sldId id="266" r:id="rId9"/>
-    <p:sldId id="257" r:id="rId10"/>
-    <p:sldId id="263" r:id="rId11"/>
-    <p:sldId id="262" r:id="rId12"/>
+    <p:sldId id="263" r:id="rId9"/>
+    <p:sldId id="266" r:id="rId10"/>
+    <p:sldId id="268" r:id="rId11"/>
+    <p:sldId id="269" r:id="rId12"/>
+    <p:sldId id="267" r:id="rId13"/>
+    <p:sldId id="262" r:id="rId14"/>
+    <p:sldId id="257" r:id="rId15"/>
+    <p:sldId id="270" r:id="rId16"/>
   </p:sldIdLst>
   <p:sldSz cx="12192000" cy="6858000"/>
   <p:notesSz cx="6858000" cy="9144000"/>
@@ -269,7 +273,7 @@
           <a:p>
             <a:fld id="{7616A53B-CA84-BE43-9C46-3B4F02D7A3D8}" type="datetimeFigureOut">
               <a:rPr lang="en-US" smtClean="0"/>
-              <a:t>4/21/20</a:t>
+              <a:t>5/1/20</a:t>
             </a:fld>
             <a:endParaRPr lang="en-US"/>
           </a:p>
@@ -467,7 +471,7 @@
           <a:p>
             <a:fld id="{7616A53B-CA84-BE43-9C46-3B4F02D7A3D8}" type="datetimeFigureOut">
               <a:rPr lang="en-US" smtClean="0"/>
-              <a:t>4/21/20</a:t>
+              <a:t>5/1/20</a:t>
             </a:fld>
             <a:endParaRPr lang="en-US"/>
           </a:p>
@@ -675,7 +679,7 @@
           <a:p>
             <a:fld id="{7616A53B-CA84-BE43-9C46-3B4F02D7A3D8}" type="datetimeFigureOut">
               <a:rPr lang="en-US" smtClean="0"/>
-              <a:t>4/21/20</a:t>
+              <a:t>5/1/20</a:t>
             </a:fld>
             <a:endParaRPr lang="en-US"/>
           </a:p>
@@ -873,7 +877,7 @@
           <a:p>
             <a:fld id="{7616A53B-CA84-BE43-9C46-3B4F02D7A3D8}" type="datetimeFigureOut">
               <a:rPr lang="en-US" smtClean="0"/>
-              <a:t>4/21/20</a:t>
+              <a:t>5/1/20</a:t>
             </a:fld>
             <a:endParaRPr lang="en-US"/>
           </a:p>
@@ -1148,7 +1152,7 @@
           <a:p>
             <a:fld id="{7616A53B-CA84-BE43-9C46-3B4F02D7A3D8}" type="datetimeFigureOut">
               <a:rPr lang="en-US" smtClean="0"/>
-              <a:t>4/21/20</a:t>
+              <a:t>5/1/20</a:t>
             </a:fld>
             <a:endParaRPr lang="en-US"/>
           </a:p>
@@ -1413,7 +1417,7 @@
           <a:p>
             <a:fld id="{7616A53B-CA84-BE43-9C46-3B4F02D7A3D8}" type="datetimeFigureOut">
               <a:rPr lang="en-US" smtClean="0"/>
-              <a:t>4/21/20</a:t>
+              <a:t>5/1/20</a:t>
             </a:fld>
             <a:endParaRPr lang="en-US"/>
           </a:p>
@@ -1825,7 +1829,7 @@
           <a:p>
             <a:fld id="{7616A53B-CA84-BE43-9C46-3B4F02D7A3D8}" type="datetimeFigureOut">
               <a:rPr lang="en-US" smtClean="0"/>
-              <a:t>4/21/20</a:t>
+              <a:t>5/1/20</a:t>
             </a:fld>
             <a:endParaRPr lang="en-US"/>
           </a:p>
@@ -1966,7 +1970,7 @@
           <a:p>
             <a:fld id="{7616A53B-CA84-BE43-9C46-3B4F02D7A3D8}" type="datetimeFigureOut">
               <a:rPr lang="en-US" smtClean="0"/>
-              <a:t>4/21/20</a:t>
+              <a:t>5/1/20</a:t>
             </a:fld>
             <a:endParaRPr lang="en-US"/>
           </a:p>
@@ -2079,7 +2083,7 @@
           <a:p>
             <a:fld id="{7616A53B-CA84-BE43-9C46-3B4F02D7A3D8}" type="datetimeFigureOut">
               <a:rPr lang="en-US" smtClean="0"/>
-              <a:t>4/21/20</a:t>
+              <a:t>5/1/20</a:t>
             </a:fld>
             <a:endParaRPr lang="en-US"/>
           </a:p>
@@ -2390,7 +2394,7 @@
           <a:p>
             <a:fld id="{7616A53B-CA84-BE43-9C46-3B4F02D7A3D8}" type="datetimeFigureOut">
               <a:rPr lang="en-US" smtClean="0"/>
-              <a:t>4/21/20</a:t>
+              <a:t>5/1/20</a:t>
             </a:fld>
             <a:endParaRPr lang="en-US"/>
           </a:p>
@@ -2678,7 +2682,7 @@
           <a:p>
             <a:fld id="{7616A53B-CA84-BE43-9C46-3B4F02D7A3D8}" type="datetimeFigureOut">
               <a:rPr lang="en-US" smtClean="0"/>
-              <a:t>4/21/20</a:t>
+              <a:t>5/1/20</a:t>
             </a:fld>
             <a:endParaRPr lang="en-US"/>
           </a:p>
@@ -2919,7 +2923,7 @@
           <a:p>
             <a:fld id="{7616A53B-CA84-BE43-9C46-3B4F02D7A3D8}" type="datetimeFigureOut">
               <a:rPr lang="en-US" smtClean="0"/>
-              <a:t>4/21/20</a:t>
+              <a:t>5/1/20</a:t>
             </a:fld>
             <a:endParaRPr lang="en-US"/>
           </a:p>
@@ -3476,12 +3480,42 @@
           <a:chExt cx="0" cy="0"/>
         </a:xfrm>
       </p:grpSpPr>
-      <p:sp>
-        <p:nvSpPr>
-          <p:cNvPr id="2" name="Title 1">
-            <a:extLst>
-              <a:ext uri="{FF2B5EF4-FFF2-40B4-BE49-F238E27FC236}">
-                <a16:creationId xmlns:a16="http://schemas.microsoft.com/office/drawing/2014/main" id="{D66DADA5-4D2C-DC4B-B49F-48749A3FE431}"/>
+      <p:pic>
+        <p:nvPicPr>
+          <p:cNvPr id="9" name="Picture 8" descr="A picture containing screenshot&#10;&#10;Description automatically generated">
+            <a:extLst>
+              <a:ext uri="{FF2B5EF4-FFF2-40B4-BE49-F238E27FC236}">
+                <a16:creationId xmlns:a16="http://schemas.microsoft.com/office/drawing/2014/main" id="{8E2A49D1-6BB6-7F49-80EE-F2CC7BE32D25}"/>
+              </a:ext>
+            </a:extLst>
+          </p:cNvPr>
+          <p:cNvPicPr>
+            <a:picLocks noChangeAspect="1"/>
+          </p:cNvPicPr>
+          <p:nvPr/>
+        </p:nvPicPr>
+        <p:blipFill>
+          <a:blip r:embed="rId2"/>
+          <a:stretch>
+            <a:fillRect/>
+          </a:stretch>
+        </p:blipFill>
+        <p:spPr>
+          <a:xfrm>
+            <a:off x="184150" y="0"/>
+            <a:ext cx="11823700" cy="6705600"/>
+          </a:xfrm>
+          <a:prstGeom prst="rect">
+            <a:avLst/>
+          </a:prstGeom>
+        </p:spPr>
+      </p:pic>
+      <p:sp>
+        <p:nvSpPr>
+          <p:cNvPr id="10" name="Title 1">
+            <a:extLst>
+              <a:ext uri="{FF2B5EF4-FFF2-40B4-BE49-F238E27FC236}">
+                <a16:creationId xmlns:a16="http://schemas.microsoft.com/office/drawing/2014/main" id="{856AF3C3-E4BE-E141-AAB0-6B25BDBDB05B}"/>
               </a:ext>
             </a:extLst>
           </p:cNvPr>
@@ -3492,47 +3526,34 @@
             <p:ph type="title"/>
           </p:nvPr>
         </p:nvSpPr>
-        <p:spPr/>
-        <p:txBody>
-          <a:bodyPr/>
-          <a:lstStyle/>
-          <a:p>
-            <a:r>
-              <a:rPr lang="en-US" dirty="0"/>
-              <a:t>Introduction</a:t>
-            </a:r>
-          </a:p>
-        </p:txBody>
-      </p:sp>
-      <p:sp>
-        <p:nvSpPr>
-          <p:cNvPr id="3" name="Content Placeholder 2">
-            <a:extLst>
-              <a:ext uri="{FF2B5EF4-FFF2-40B4-BE49-F238E27FC236}">
-                <a16:creationId xmlns:a16="http://schemas.microsoft.com/office/drawing/2014/main" id="{3913FB64-209D-9A44-B475-727D53C1FA02}"/>
-              </a:ext>
-            </a:extLst>
-          </p:cNvPr>
-          <p:cNvSpPr>
-            <a:spLocks noGrp="1"/>
-          </p:cNvSpPr>
-          <p:nvPr>
-            <p:ph idx="1"/>
-          </p:nvPr>
-        </p:nvSpPr>
-        <p:spPr/>
-        <p:txBody>
-          <a:bodyPr/>
-          <a:lstStyle/>
-          <a:p>
-            <a:endParaRPr lang="en-US"/>
+        <p:spPr>
+          <a:xfrm rot="1904505">
+            <a:off x="2679357" y="2403991"/>
+            <a:ext cx="6143368" cy="1327750"/>
+          </a:xfrm>
+        </p:spPr>
+        <p:txBody>
+          <a:bodyPr>
+            <a:normAutofit/>
+          </a:bodyPr>
+          <a:lstStyle/>
+          <a:p>
+            <a:pPr algn="ctr"/>
+            <a:r>
+              <a:rPr lang="en-US" dirty="0">
+                <a:solidFill>
+                  <a:srgbClr val="C00000"/>
+                </a:solidFill>
+              </a:rPr>
+              <a:t>Not work for NLP task …</a:t>
+            </a:r>
           </a:p>
         </p:txBody>
       </p:sp>
     </p:spTree>
     <p:extLst>
       <p:ext uri="{BB962C8B-B14F-4D97-AF65-F5344CB8AC3E}">
-        <p14:creationId xmlns:p14="http://schemas.microsoft.com/office/powerpoint/2010/main" val="1248642269"/>
+        <p14:creationId xmlns:p14="http://schemas.microsoft.com/office/powerpoint/2010/main" val="534969405"/>
       </p:ext>
     </p:extLst>
   </p:cSld>
@@ -3559,12 +3580,153 @@
           <a:chExt cx="0" cy="0"/>
         </a:xfrm>
       </p:grpSpPr>
-      <p:sp>
-        <p:nvSpPr>
-          <p:cNvPr id="2" name="Title 1">
-            <a:extLst>
-              <a:ext uri="{FF2B5EF4-FFF2-40B4-BE49-F238E27FC236}">
-                <a16:creationId xmlns:a16="http://schemas.microsoft.com/office/drawing/2014/main" id="{D66DADA5-4D2C-DC4B-B49F-48749A3FE431}"/>
+      <p:pic>
+        <p:nvPicPr>
+          <p:cNvPr id="9" name="Picture 8" descr="A picture containing screenshot&#10;&#10;Description automatically generated">
+            <a:extLst>
+              <a:ext uri="{FF2B5EF4-FFF2-40B4-BE49-F238E27FC236}">
+                <a16:creationId xmlns:a16="http://schemas.microsoft.com/office/drawing/2014/main" id="{8E2A49D1-6BB6-7F49-80EE-F2CC7BE32D25}"/>
+              </a:ext>
+            </a:extLst>
+          </p:cNvPr>
+          <p:cNvPicPr>
+            <a:picLocks noChangeAspect="1"/>
+          </p:cNvPicPr>
+          <p:nvPr/>
+        </p:nvPicPr>
+        <p:blipFill>
+          <a:blip r:embed="rId2"/>
+          <a:stretch>
+            <a:fillRect/>
+          </a:stretch>
+        </p:blipFill>
+        <p:spPr>
+          <a:xfrm>
+            <a:off x="184150" y="0"/>
+            <a:ext cx="11823700" cy="6705600"/>
+          </a:xfrm>
+          <a:prstGeom prst="rect">
+            <a:avLst/>
+          </a:prstGeom>
+        </p:spPr>
+      </p:pic>
+      <p:sp>
+        <p:nvSpPr>
+          <p:cNvPr id="5" name="TextBox 4">
+            <a:extLst>
+              <a:ext uri="{FF2B5EF4-FFF2-40B4-BE49-F238E27FC236}">
+                <a16:creationId xmlns:a16="http://schemas.microsoft.com/office/drawing/2014/main" id="{B87C534C-AE9D-3B4A-9922-C4D897EC03D6}"/>
+              </a:ext>
+            </a:extLst>
+          </p:cNvPr>
+          <p:cNvSpPr txBox="1"/>
+          <p:nvPr/>
+        </p:nvSpPr>
+        <p:spPr>
+          <a:xfrm>
+            <a:off x="184150" y="3226827"/>
+            <a:ext cx="3065677" cy="1200329"/>
+          </a:xfrm>
+          <a:prstGeom prst="rect">
+            <a:avLst/>
+          </a:prstGeom>
+          <a:noFill/>
+        </p:spPr>
+        <p:txBody>
+          <a:bodyPr wrap="square" rtlCol="0">
+            <a:spAutoFit/>
+          </a:bodyPr>
+          <a:lstStyle/>
+          <a:p>
+            <a:pPr algn="ctr"/>
+            <a:r>
+              <a:rPr lang="en-US" dirty="0">
+                <a:solidFill>
+                  <a:srgbClr val="C00000"/>
+                </a:solidFill>
+              </a:rPr>
+              <a:t>No gradient here!</a:t>
+            </a:r>
+          </a:p>
+          <a:p>
+            <a:pPr algn="ctr"/>
+            <a:r>
+              <a:rPr lang="en-US" dirty="0">
+                <a:solidFill>
+                  <a:srgbClr val="C00000"/>
+                </a:solidFill>
+              </a:rPr>
+              <a:t>Because the generated word sequences are actual index, not differentiable value.</a:t>
+            </a:r>
+          </a:p>
+        </p:txBody>
+      </p:sp>
+    </p:spTree>
+    <p:extLst>
+      <p:ext uri="{BB962C8B-B14F-4D97-AF65-F5344CB8AC3E}">
+        <p14:creationId xmlns:p14="http://schemas.microsoft.com/office/powerpoint/2010/main" val="687919637"/>
+      </p:ext>
+    </p:extLst>
+  </p:cSld>
+  <p:clrMapOvr>
+    <a:masterClrMapping/>
+  </p:clrMapOvr>
+</p:sld>
+</file>
+
+<file path=ppt/slides/slide12.xml><?xml version="1.0" encoding="utf-8"?>
+<p:sld xmlns:a="http://schemas.openxmlformats.org/drawingml/2006/main" xmlns:r="http://schemas.openxmlformats.org/officeDocument/2006/relationships" xmlns:p="http://schemas.openxmlformats.org/presentationml/2006/main">
+  <p:cSld>
+    <p:spTree>
+      <p:nvGrpSpPr>
+        <p:cNvPr id="1" name=""/>
+        <p:cNvGrpSpPr/>
+        <p:nvPr/>
+      </p:nvGrpSpPr>
+      <p:grpSpPr>
+        <a:xfrm>
+          <a:off x="0" y="0"/>
+          <a:ext cx="0" cy="0"/>
+          <a:chOff x="0" y="0"/>
+          <a:chExt cx="0" cy="0"/>
+        </a:xfrm>
+      </p:grpSpPr>
+      <p:pic>
+        <p:nvPicPr>
+          <p:cNvPr id="7" name="Picture 6" descr="A close up of a map&#10;&#10;Description automatically generated">
+            <a:extLst>
+              <a:ext uri="{FF2B5EF4-FFF2-40B4-BE49-F238E27FC236}">
+                <a16:creationId xmlns:a16="http://schemas.microsoft.com/office/drawing/2014/main" id="{C9B86DC8-4151-444A-8131-284C86E460DD}"/>
+              </a:ext>
+            </a:extLst>
+          </p:cNvPr>
+          <p:cNvPicPr>
+            <a:picLocks noChangeAspect="1"/>
+          </p:cNvPicPr>
+          <p:nvPr/>
+        </p:nvPicPr>
+        <p:blipFill>
+          <a:blip r:embed="rId2"/>
+          <a:stretch>
+            <a:fillRect/>
+          </a:stretch>
+        </p:blipFill>
+        <p:spPr>
+          <a:xfrm>
+            <a:off x="2743200" y="1283212"/>
+            <a:ext cx="6705600" cy="4610100"/>
+          </a:xfrm>
+          <a:prstGeom prst="rect">
+            <a:avLst/>
+          </a:prstGeom>
+        </p:spPr>
+      </p:pic>
+      <p:sp>
+        <p:nvSpPr>
+          <p:cNvPr id="8" name="Title 1">
+            <a:extLst>
+              <a:ext uri="{FF2B5EF4-FFF2-40B4-BE49-F238E27FC236}">
+                <a16:creationId xmlns:a16="http://schemas.microsoft.com/office/drawing/2014/main" id="{C184BB12-545F-F949-A473-03655A6A8F4C}"/>
               </a:ext>
             </a:extLst>
           </p:cNvPr>
@@ -3575,6 +3737,195 @@
             <p:ph type="title"/>
           </p:nvPr>
         </p:nvSpPr>
+        <p:spPr>
+          <a:xfrm>
+            <a:off x="451022" y="102932"/>
+            <a:ext cx="11467069" cy="1327750"/>
+          </a:xfrm>
+        </p:spPr>
+        <p:txBody>
+          <a:bodyPr>
+            <a:normAutofit/>
+          </a:bodyPr>
+          <a:lstStyle/>
+          <a:p>
+            <a:pPr algn="ctr"/>
+            <a:r>
+              <a:rPr lang="en-US" dirty="0">
+                <a:solidFill>
+                  <a:srgbClr val="C00000"/>
+                </a:solidFill>
+              </a:rPr>
+              <a:t>Back to </a:t>
+            </a:r>
+            <a:r>
+              <a:rPr lang="en-US" dirty="0" err="1">
+                <a:solidFill>
+                  <a:srgbClr val="C00000"/>
+                </a:solidFill>
+              </a:rPr>
+              <a:t>SeqGAN</a:t>
+            </a:r>
+            <a:r>
+              <a:rPr lang="en-US" dirty="0">
+                <a:solidFill>
+                  <a:srgbClr val="C00000"/>
+                </a:solidFill>
+              </a:rPr>
+              <a:t>, with O(T) sampling complexity</a:t>
+            </a:r>
+          </a:p>
+        </p:txBody>
+      </p:sp>
+      <p:sp>
+        <p:nvSpPr>
+          <p:cNvPr id="9" name="Rectangle 8">
+            <a:extLst>
+              <a:ext uri="{FF2B5EF4-FFF2-40B4-BE49-F238E27FC236}">
+                <a16:creationId xmlns:a16="http://schemas.microsoft.com/office/drawing/2014/main" id="{9A2D11DD-A376-D844-9549-D30EA007A753}"/>
+              </a:ext>
+            </a:extLst>
+          </p:cNvPr>
+          <p:cNvSpPr/>
+          <p:nvPr/>
+        </p:nvSpPr>
+        <p:spPr>
+          <a:xfrm>
+            <a:off x="2323071" y="5893312"/>
+            <a:ext cx="7722973" cy="523220"/>
+          </a:xfrm>
+          <a:prstGeom prst="rect">
+            <a:avLst/>
+          </a:prstGeom>
+        </p:spPr>
+        <p:txBody>
+          <a:bodyPr wrap="square">
+            <a:spAutoFit/>
+          </a:bodyPr>
+          <a:lstStyle/>
+          <a:p>
+            <a:r>
+              <a:rPr lang="en-US" sz="1400" dirty="0">
+                <a:solidFill>
+                  <a:srgbClr val="222222"/>
+                </a:solidFill>
+                <a:latin typeface="Arial" panose="020B0604020202020204" pitchFamily="34" charset="0"/>
+              </a:rPr>
+              <a:t>Xu, </a:t>
+            </a:r>
+            <a:r>
+              <a:rPr lang="en-US" sz="1400" dirty="0" err="1">
+                <a:solidFill>
+                  <a:srgbClr val="222222"/>
+                </a:solidFill>
+                <a:latin typeface="Arial" panose="020B0604020202020204" pitchFamily="34" charset="0"/>
+              </a:rPr>
+              <a:t>Jingjing</a:t>
+            </a:r>
+            <a:r>
+              <a:rPr lang="en-US" sz="1400" dirty="0">
+                <a:solidFill>
+                  <a:srgbClr val="222222"/>
+                </a:solidFill>
+                <a:latin typeface="Arial" panose="020B0604020202020204" pitchFamily="34" charset="0"/>
+              </a:rPr>
+              <a:t>, et al. "</a:t>
+            </a:r>
+            <a:r>
+              <a:rPr lang="en-US" sz="1400" dirty="0" err="1">
+                <a:solidFill>
+                  <a:srgbClr val="222222"/>
+                </a:solidFill>
+                <a:latin typeface="Arial" panose="020B0604020202020204" pitchFamily="34" charset="0"/>
+              </a:rPr>
+              <a:t>Dp-gan</a:t>
+            </a:r>
+            <a:r>
+              <a:rPr lang="en-US" sz="1400" dirty="0">
+                <a:solidFill>
+                  <a:srgbClr val="222222"/>
+                </a:solidFill>
+                <a:latin typeface="Arial" panose="020B0604020202020204" pitchFamily="34" charset="0"/>
+              </a:rPr>
+              <a:t>: Diversity-promoting generative adversarial network for generating informative and diversified text." </a:t>
+            </a:r>
+            <a:r>
+              <a:rPr lang="en-US" sz="1400" i="1" dirty="0" err="1">
+                <a:solidFill>
+                  <a:srgbClr val="222222"/>
+                </a:solidFill>
+                <a:latin typeface="Arial" panose="020B0604020202020204" pitchFamily="34" charset="0"/>
+              </a:rPr>
+              <a:t>arXiv</a:t>
+            </a:r>
+            <a:r>
+              <a:rPr lang="en-US" sz="1400" i="1" dirty="0">
+                <a:solidFill>
+                  <a:srgbClr val="222222"/>
+                </a:solidFill>
+                <a:latin typeface="Arial" panose="020B0604020202020204" pitchFamily="34" charset="0"/>
+              </a:rPr>
+              <a:t> preprint arXiv:1802.01345</a:t>
+            </a:r>
+            <a:r>
+              <a:rPr lang="en-US" sz="1400" dirty="0">
+                <a:solidFill>
+                  <a:srgbClr val="222222"/>
+                </a:solidFill>
+                <a:latin typeface="Arial" panose="020B0604020202020204" pitchFamily="34" charset="0"/>
+              </a:rPr>
+              <a:t> (2018).</a:t>
+            </a:r>
+            <a:endParaRPr lang="en-US" sz="1400" dirty="0"/>
+          </a:p>
+        </p:txBody>
+      </p:sp>
+    </p:spTree>
+    <p:extLst>
+      <p:ext uri="{BB962C8B-B14F-4D97-AF65-F5344CB8AC3E}">
+        <p14:creationId xmlns:p14="http://schemas.microsoft.com/office/powerpoint/2010/main" val="726145943"/>
+      </p:ext>
+    </p:extLst>
+  </p:cSld>
+  <p:clrMapOvr>
+    <a:masterClrMapping/>
+  </p:clrMapOvr>
+</p:sld>
+</file>
+
+<file path=ppt/slides/slide13.xml><?xml version="1.0" encoding="utf-8"?>
+<p:sld xmlns:a="http://schemas.openxmlformats.org/drawingml/2006/main" xmlns:r="http://schemas.openxmlformats.org/officeDocument/2006/relationships" xmlns:p="http://schemas.openxmlformats.org/presentationml/2006/main">
+  <p:cSld>
+    <p:spTree>
+      <p:nvGrpSpPr>
+        <p:cNvPr id="1" name=""/>
+        <p:cNvGrpSpPr/>
+        <p:nvPr/>
+      </p:nvGrpSpPr>
+      <p:grpSpPr>
+        <a:xfrm>
+          <a:off x="0" y="0"/>
+          <a:ext cx="0" cy="0"/>
+          <a:chOff x="0" y="0"/>
+          <a:chExt cx="0" cy="0"/>
+        </a:xfrm>
+      </p:grpSpPr>
+      <p:sp>
+        <p:nvSpPr>
+          <p:cNvPr id="2" name="Title 1">
+            <a:extLst>
+              <a:ext uri="{FF2B5EF4-FFF2-40B4-BE49-F238E27FC236}">
+                <a16:creationId xmlns:a16="http://schemas.microsoft.com/office/drawing/2014/main" id="{D66DADA5-4D2C-DC4B-B49F-48749A3FE431}"/>
+              </a:ext>
+            </a:extLst>
+          </p:cNvPr>
+          <p:cNvSpPr>
+            <a:spLocks noGrp="1"/>
+          </p:cNvSpPr>
+          <p:nvPr>
+            <p:ph type="title"/>
+          </p:nvPr>
+        </p:nvSpPr>
         <p:spPr/>
         <p:txBody>
           <a:bodyPr/>
@@ -3582,7 +3933,70 @@
           <a:p>
             <a:r>
               <a:rPr lang="en-US" dirty="0"/>
-              <a:t>Conclusion</a:t>
+              <a:t>Still working </a:t>
+            </a:r>
+            <a:r>
+              <a:rPr lang="en-US"/>
+              <a:t>on this ...</a:t>
+            </a:r>
+            <a:endParaRPr lang="en-US" dirty="0"/>
+          </a:p>
+        </p:txBody>
+      </p:sp>
+    </p:spTree>
+    <p:extLst>
+      <p:ext uri="{BB962C8B-B14F-4D97-AF65-F5344CB8AC3E}">
+        <p14:creationId xmlns:p14="http://schemas.microsoft.com/office/powerpoint/2010/main" val="3396268756"/>
+      </p:ext>
+    </p:extLst>
+  </p:cSld>
+  <p:clrMapOvr>
+    <a:masterClrMapping/>
+  </p:clrMapOvr>
+</p:sld>
+</file>
+
+<file path=ppt/slides/slide14.xml><?xml version="1.0" encoding="utf-8"?>
+<p:sld xmlns:a="http://schemas.openxmlformats.org/drawingml/2006/main" xmlns:r="http://schemas.openxmlformats.org/officeDocument/2006/relationships" xmlns:p="http://schemas.openxmlformats.org/presentationml/2006/main">
+  <p:cSld>
+    <p:spTree>
+      <p:nvGrpSpPr>
+        <p:cNvPr id="1" name=""/>
+        <p:cNvGrpSpPr/>
+        <p:nvPr/>
+      </p:nvGrpSpPr>
+      <p:grpSpPr>
+        <a:xfrm>
+          <a:off x="0" y="0"/>
+          <a:ext cx="0" cy="0"/>
+          <a:chOff x="0" y="0"/>
+          <a:chExt cx="0" cy="0"/>
+        </a:xfrm>
+      </p:grpSpPr>
+      <p:sp>
+        <p:nvSpPr>
+          <p:cNvPr id="2" name="Title 1">
+            <a:extLst>
+              <a:ext uri="{FF2B5EF4-FFF2-40B4-BE49-F238E27FC236}">
+                <a16:creationId xmlns:a16="http://schemas.microsoft.com/office/drawing/2014/main" id="{6A3CF716-6FB5-8840-A662-85683A7D7613}"/>
+              </a:ext>
+            </a:extLst>
+          </p:cNvPr>
+          <p:cNvSpPr>
+            <a:spLocks noGrp="1"/>
+          </p:cNvSpPr>
+          <p:nvPr>
+            <p:ph type="title"/>
+          </p:nvPr>
+        </p:nvSpPr>
+        <p:spPr/>
+        <p:txBody>
+          <a:bodyPr/>
+          <a:lstStyle/>
+          <a:p>
+            <a:r>
+              <a:rPr lang="en-US" dirty="0"/>
+              <a:t>Content</a:t>
             </a:r>
           </a:p>
         </p:txBody>
@@ -3592,7 +4006,7 @@
           <p:cNvPr id="3" name="Content Placeholder 2">
             <a:extLst>
               <a:ext uri="{FF2B5EF4-FFF2-40B4-BE49-F238E27FC236}">
-                <a16:creationId xmlns:a16="http://schemas.microsoft.com/office/drawing/2014/main" id="{3913FB64-209D-9A44-B475-727D53C1FA02}"/>
+                <a16:creationId xmlns:a16="http://schemas.microsoft.com/office/drawing/2014/main" id="{DCFF9215-F422-1D49-9755-74B031AA8C5F}"/>
               </a:ext>
             </a:extLst>
           </p:cNvPr>
@@ -3608,14 +4022,127 @@
           <a:bodyPr/>
           <a:lstStyle/>
           <a:p>
-            <a:endParaRPr lang="en-US"/>
+            <a:r>
+              <a:rPr lang="en-US" dirty="0"/>
+              <a:t>Introduction</a:t>
+            </a:r>
+          </a:p>
+          <a:p>
+            <a:r>
+              <a:rPr lang="en-US" dirty="0"/>
+              <a:t>Related work</a:t>
+            </a:r>
+          </a:p>
+          <a:p>
+            <a:r>
+              <a:rPr lang="en-US" dirty="0"/>
+              <a:t>Approach</a:t>
+            </a:r>
+          </a:p>
+          <a:p>
+            <a:r>
+              <a:rPr lang="en-US" dirty="0"/>
+              <a:t>Evaluation</a:t>
+            </a:r>
+          </a:p>
+          <a:p>
+            <a:r>
+              <a:rPr lang="en-US" dirty="0"/>
+              <a:t>Conclusion</a:t>
+            </a:r>
+          </a:p>
+          <a:p>
+            <a:endParaRPr lang="en-US" dirty="0"/>
           </a:p>
         </p:txBody>
       </p:sp>
     </p:spTree>
     <p:extLst>
       <p:ext uri="{BB962C8B-B14F-4D97-AF65-F5344CB8AC3E}">
-        <p14:creationId xmlns:p14="http://schemas.microsoft.com/office/powerpoint/2010/main" val="3396268756"/>
+        <p14:creationId xmlns:p14="http://schemas.microsoft.com/office/powerpoint/2010/main" val="204335413"/>
+      </p:ext>
+    </p:extLst>
+  </p:cSld>
+  <p:clrMapOvr>
+    <a:masterClrMapping/>
+  </p:clrMapOvr>
+</p:sld>
+</file>
+
+<file path=ppt/slides/slide15.xml><?xml version="1.0" encoding="utf-8"?>
+<p:sld xmlns:a="http://schemas.openxmlformats.org/drawingml/2006/main" xmlns:r="http://schemas.openxmlformats.org/officeDocument/2006/relationships" xmlns:p="http://schemas.openxmlformats.org/presentationml/2006/main">
+  <p:cSld>
+    <p:spTree>
+      <p:nvGrpSpPr>
+        <p:cNvPr id="1" name=""/>
+        <p:cNvGrpSpPr/>
+        <p:nvPr/>
+      </p:nvGrpSpPr>
+      <p:grpSpPr>
+        <a:xfrm>
+          <a:off x="0" y="0"/>
+          <a:ext cx="0" cy="0"/>
+          <a:chOff x="0" y="0"/>
+          <a:chExt cx="0" cy="0"/>
+        </a:xfrm>
+      </p:grpSpPr>
+      <p:sp>
+        <p:nvSpPr>
+          <p:cNvPr id="2" name="Title 1">
+            <a:extLst>
+              <a:ext uri="{FF2B5EF4-FFF2-40B4-BE49-F238E27FC236}">
+                <a16:creationId xmlns:a16="http://schemas.microsoft.com/office/drawing/2014/main" id="{D66DADA5-4D2C-DC4B-B49F-48749A3FE431}"/>
+              </a:ext>
+            </a:extLst>
+          </p:cNvPr>
+          <p:cNvSpPr>
+            <a:spLocks noGrp="1"/>
+          </p:cNvSpPr>
+          <p:nvPr>
+            <p:ph type="title"/>
+          </p:nvPr>
+        </p:nvSpPr>
+        <p:spPr/>
+        <p:txBody>
+          <a:bodyPr/>
+          <a:lstStyle/>
+          <a:p>
+            <a:r>
+              <a:rPr lang="en-US" dirty="0"/>
+              <a:t>Conclusion</a:t>
+            </a:r>
+          </a:p>
+        </p:txBody>
+      </p:sp>
+      <p:sp>
+        <p:nvSpPr>
+          <p:cNvPr id="3" name="Content Placeholder 2">
+            <a:extLst>
+              <a:ext uri="{FF2B5EF4-FFF2-40B4-BE49-F238E27FC236}">
+                <a16:creationId xmlns:a16="http://schemas.microsoft.com/office/drawing/2014/main" id="{3913FB64-209D-9A44-B475-727D53C1FA02}"/>
+              </a:ext>
+            </a:extLst>
+          </p:cNvPr>
+          <p:cNvSpPr>
+            <a:spLocks noGrp="1"/>
+          </p:cNvSpPr>
+          <p:nvPr>
+            <p:ph idx="1"/>
+          </p:nvPr>
+        </p:nvSpPr>
+        <p:spPr/>
+        <p:txBody>
+          <a:bodyPr/>
+          <a:lstStyle/>
+          <a:p>
+            <a:endParaRPr lang="en-US"/>
+          </a:p>
+        </p:txBody>
+      </p:sp>
+    </p:spTree>
+    <p:extLst>
+      <p:ext uri="{BB962C8B-B14F-4D97-AF65-F5344CB8AC3E}">
+        <p14:creationId xmlns:p14="http://schemas.microsoft.com/office/powerpoint/2010/main" val="3826874124"/>
       </p:ext>
     </p:extLst>
   </p:cSld>
@@ -4033,7 +4560,21 @@
                 <a:latin typeface="Times New Roman" panose="02020603050405020304" pitchFamily="18" charset="0"/>
                 <a:cs typeface="Times New Roman" panose="02020603050405020304" pitchFamily="18" charset="0"/>
               </a:rPr>
-              <a:t>Reduce obfuscation cost (utility metric2): the maximum likelihood estimation loss</a:t>
+              <a:t>Reduce obfuscation cost (utility metric2): the </a:t>
+            </a:r>
+            <a:r>
+              <a:rPr lang="en-US" sz="1800" dirty="0" err="1">
+                <a:latin typeface="Times New Roman" panose="02020603050405020304" pitchFamily="18" charset="0"/>
+                <a:cs typeface="Times New Roman" panose="02020603050405020304" pitchFamily="18" charset="0"/>
+              </a:rPr>
+              <a:t>crossentropy</a:t>
+            </a:r>
+            <a:r>
+              <a:rPr lang="en-US" sz="1800" dirty="0">
+                <a:latin typeface="Times New Roman" panose="02020603050405020304" pitchFamily="18" charset="0"/>
+                <a:cs typeface="Times New Roman" panose="02020603050405020304" pitchFamily="18" charset="0"/>
+              </a:rPr>
+              <a:t> loss</a:t>
             </a:r>
           </a:p>
           <a:p>
@@ -4671,8 +5212,8 @@
           </p:nvSpPr>
           <p:spPr>
             <a:xfrm>
-              <a:off x="7421725" y="3193486"/>
-              <a:ext cx="1467068" cy="369332"/>
+              <a:off x="7665383" y="3193486"/>
+              <a:ext cx="979756" cy="369332"/>
             </a:xfrm>
             <a:prstGeom prst="rect">
               <a:avLst/>
@@ -4690,12 +5231,13 @@
             </a:bodyPr>
             <a:lstStyle/>
             <a:p>
+              <a:pPr algn="ctr"/>
               <a:r>
                 <a:rPr lang="en-US" dirty="0">
                   <a:latin typeface="Times New Roman" panose="02020603050405020304" pitchFamily="18" charset="0"/>
                   <a:cs typeface="Times New Roman" panose="02020603050405020304" pitchFamily="18" charset="0"/>
                 </a:rPr>
-                <a:t>Discriminator</a:t>
+                <a:t>Detector</a:t>
               </a:r>
             </a:p>
           </p:txBody>
@@ -4805,8 +5347,8 @@
           </p:nvCxnSpPr>
           <p:spPr>
             <a:xfrm flipH="1">
-              <a:off x="8155259" y="1997544"/>
-              <a:ext cx="2090083" cy="1195942"/>
+              <a:off x="8155261" y="1997544"/>
+              <a:ext cx="2090081" cy="1195942"/>
             </a:xfrm>
             <a:prstGeom prst="straightConnector1">
               <a:avLst/>
@@ -4987,7 +5529,7 @@
           <p:spPr>
             <a:xfrm>
               <a:off x="6093346" y="1983256"/>
-              <a:ext cx="2061913" cy="1210230"/>
+              <a:ext cx="2061915" cy="1210230"/>
             </a:xfrm>
             <a:prstGeom prst="straightConnector1">
               <a:avLst/>
@@ -5217,7 +5759,7 @@
           <p:spPr>
             <a:xfrm flipH="1">
               <a:off x="8152731" y="3562818"/>
-              <a:ext cx="2528" cy="586591"/>
+              <a:ext cx="2530" cy="586591"/>
             </a:xfrm>
             <a:prstGeom prst="straightConnector1">
               <a:avLst/>
@@ -5374,7 +5916,7 @@
                   <a:latin typeface="Times New Roman" panose="02020603050405020304" pitchFamily="18" charset="0"/>
                   <a:cs typeface="Times New Roman" panose="02020603050405020304" pitchFamily="18" charset="0"/>
                 </a:rPr>
-                <a:t>MLE Loss </a:t>
+                <a:t>CE Loss </a:t>
               </a:r>
             </a:p>
           </p:txBody>
@@ -6995,14 +7537,21 @@
             <p:ph type="title"/>
           </p:nvPr>
         </p:nvSpPr>
-        <p:spPr/>
-        <p:txBody>
-          <a:bodyPr/>
+        <p:spPr>
+          <a:xfrm>
+            <a:off x="442784" y="342167"/>
+            <a:ext cx="5943479" cy="1217589"/>
+          </a:xfrm>
+        </p:spPr>
+        <p:txBody>
+          <a:bodyPr>
+            <a:normAutofit fontScale="90000"/>
+          </a:bodyPr>
           <a:lstStyle/>
           <a:p>
             <a:r>
               <a:rPr lang="en-US" dirty="0"/>
-              <a:t>Evaluation </a:t>
+              <a:t>Pretrained Results (Generator) </a:t>
             </a:r>
           </a:p>
         </p:txBody>
@@ -7164,6 +7713,47 @@
                 <a:cs typeface="Times New Roman" panose="02020603050405020304" pitchFamily="18" charset="0"/>
               </a:rPr>
               <a:t>Explanation: MLE loss -&gt; 0 (Identity transformation)</a:t>
+            </a:r>
+          </a:p>
+        </p:txBody>
+      </p:sp>
+      <p:sp>
+        <p:nvSpPr>
+          <p:cNvPr id="8" name="TextBox 7">
+            <a:extLst>
+              <a:ext uri="{FF2B5EF4-FFF2-40B4-BE49-F238E27FC236}">
+                <a16:creationId xmlns:a16="http://schemas.microsoft.com/office/drawing/2014/main" id="{DDBACB7C-46BE-6542-9905-FFA29B802FE1}"/>
+              </a:ext>
+            </a:extLst>
+          </p:cNvPr>
+          <p:cNvSpPr txBox="1"/>
+          <p:nvPr/>
+        </p:nvSpPr>
+        <p:spPr>
+          <a:xfrm>
+            <a:off x="557361" y="6198004"/>
+            <a:ext cx="5504896" cy="369332"/>
+          </a:xfrm>
+          <a:prstGeom prst="rect">
+            <a:avLst/>
+          </a:prstGeom>
+          <a:noFill/>
+        </p:spPr>
+        <p:txBody>
+          <a:bodyPr wrap="square" rtlCol="0">
+            <a:spAutoFit/>
+          </a:bodyPr>
+          <a:lstStyle/>
+          <a:p>
+            <a:r>
+              <a:rPr lang="en-US" b="1" dirty="0">
+                <a:solidFill>
+                  <a:srgbClr val="C00000"/>
+                </a:solidFill>
+                <a:latin typeface="Times New Roman" panose="02020603050405020304" pitchFamily="18" charset="0"/>
+                <a:cs typeface="Times New Roman" panose="02020603050405020304" pitchFamily="18" charset="0"/>
+              </a:rPr>
+              <a:t>Too slow! (Monte Carlo sampling part, O(T^2))</a:t>
             </a:r>
           </a:p>
         </p:txBody>
@@ -7203,7 +7793,7 @@
           <p:cNvPr id="2" name="Title 1">
             <a:extLst>
               <a:ext uri="{FF2B5EF4-FFF2-40B4-BE49-F238E27FC236}">
-                <a16:creationId xmlns:a16="http://schemas.microsoft.com/office/drawing/2014/main" id="{EB10059F-7BA8-9C49-A948-1D749CD866A2}"/>
+                <a16:creationId xmlns:a16="http://schemas.microsoft.com/office/drawing/2014/main" id="{D66DADA5-4D2C-DC4B-B49F-48749A3FE431}"/>
               </a:ext>
             </a:extLst>
           </p:cNvPr>
@@ -7214,53 +7804,35 @@
             <p:ph type="title"/>
           </p:nvPr>
         </p:nvSpPr>
-        <p:spPr/>
+        <p:spPr>
+          <a:xfrm>
+            <a:off x="838200" y="2103437"/>
+            <a:ext cx="10515600" cy="2023720"/>
+          </a:xfrm>
+        </p:spPr>
         <p:txBody>
           <a:bodyPr/>
           <a:lstStyle/>
           <a:p>
+            <a:pPr algn="ctr"/>
             <a:r>
               <a:rPr lang="en-US" dirty="0"/>
-              <a:t>To do: </a:t>
-            </a:r>
-          </a:p>
-        </p:txBody>
-      </p:sp>
-      <p:sp>
-        <p:nvSpPr>
-          <p:cNvPr id="3" name="Content Placeholder 2">
-            <a:extLst>
-              <a:ext uri="{FF2B5EF4-FFF2-40B4-BE49-F238E27FC236}">
-                <a16:creationId xmlns:a16="http://schemas.microsoft.com/office/drawing/2014/main" id="{69630832-D3A0-F94E-A0D6-9C088DFCA57F}"/>
-              </a:ext>
-            </a:extLst>
-          </p:cNvPr>
-          <p:cNvSpPr>
-            <a:spLocks noGrp="1"/>
-          </p:cNvSpPr>
-          <p:nvPr>
-            <p:ph idx="1"/>
-          </p:nvPr>
-        </p:nvSpPr>
-        <p:spPr/>
-        <p:txBody>
-          <a:bodyPr/>
-          <a:lstStyle/>
-          <a:p>
-            <a:r>
+              <a:t>How to improve the sampling efficiency?</a:t>
+            </a:r>
+            <a:br>
               <a:rPr lang="en-US" dirty="0"/>
-              <a:t>Change the weights of each part in loss function</a:t>
-            </a:r>
-          </a:p>
-          <a:p>
-            <a:endParaRPr lang="en-US" dirty="0"/>
+            </a:br>
+            <a:r>
+              <a:rPr lang="en-US" dirty="0"/>
+              <a:t>Can we train GAP in a supervised approach instead of RL?</a:t>
+            </a:r>
           </a:p>
         </p:txBody>
       </p:sp>
     </p:spTree>
     <p:extLst>
       <p:ext uri="{BB962C8B-B14F-4D97-AF65-F5344CB8AC3E}">
-        <p14:creationId xmlns:p14="http://schemas.microsoft.com/office/powerpoint/2010/main" val="3347057087"/>
+        <p14:creationId xmlns:p14="http://schemas.microsoft.com/office/powerpoint/2010/main" val="1248642269"/>
       </p:ext>
     </p:extLst>
   </p:cSld>
@@ -7287,93 +7859,40 @@
           <a:chExt cx="0" cy="0"/>
         </a:xfrm>
       </p:grpSpPr>
-      <p:sp>
-        <p:nvSpPr>
-          <p:cNvPr id="2" name="Title 1">
-            <a:extLst>
-              <a:ext uri="{FF2B5EF4-FFF2-40B4-BE49-F238E27FC236}">
-                <a16:creationId xmlns:a16="http://schemas.microsoft.com/office/drawing/2014/main" id="{6A3CF716-6FB5-8840-A662-85683A7D7613}"/>
-              </a:ext>
-            </a:extLst>
-          </p:cNvPr>
-          <p:cNvSpPr>
-            <a:spLocks noGrp="1"/>
-          </p:cNvSpPr>
-          <p:nvPr>
-            <p:ph type="title"/>
-          </p:nvPr>
-        </p:nvSpPr>
-        <p:spPr/>
-        <p:txBody>
-          <a:bodyPr/>
-          <a:lstStyle/>
-          <a:p>
-            <a:r>
-              <a:rPr lang="en-US" dirty="0"/>
-              <a:t>Content</a:t>
-            </a:r>
-          </a:p>
-        </p:txBody>
-      </p:sp>
-      <p:sp>
-        <p:nvSpPr>
-          <p:cNvPr id="3" name="Content Placeholder 2">
-            <a:extLst>
-              <a:ext uri="{FF2B5EF4-FFF2-40B4-BE49-F238E27FC236}">
-                <a16:creationId xmlns:a16="http://schemas.microsoft.com/office/drawing/2014/main" id="{DCFF9215-F422-1D49-9755-74B031AA8C5F}"/>
-              </a:ext>
-            </a:extLst>
-          </p:cNvPr>
-          <p:cNvSpPr>
-            <a:spLocks noGrp="1"/>
-          </p:cNvSpPr>
-          <p:nvPr>
-            <p:ph idx="1"/>
-          </p:nvPr>
-        </p:nvSpPr>
-        <p:spPr/>
-        <p:txBody>
-          <a:bodyPr/>
-          <a:lstStyle/>
-          <a:p>
-            <a:r>
-              <a:rPr lang="en-US" dirty="0"/>
-              <a:t>Introduction</a:t>
-            </a:r>
-          </a:p>
-          <a:p>
-            <a:r>
-              <a:rPr lang="en-US" dirty="0"/>
-              <a:t>Related work</a:t>
-            </a:r>
-          </a:p>
-          <a:p>
-            <a:r>
-              <a:rPr lang="en-US" dirty="0"/>
-              <a:t>Approach</a:t>
-            </a:r>
-          </a:p>
-          <a:p>
-            <a:r>
-              <a:rPr lang="en-US" dirty="0"/>
-              <a:t>Evaluation</a:t>
-            </a:r>
-          </a:p>
-          <a:p>
-            <a:r>
-              <a:rPr lang="en-US" dirty="0"/>
-              <a:t>Conclusion</a:t>
-            </a:r>
-          </a:p>
-          <a:p>
-            <a:endParaRPr lang="en-US" dirty="0"/>
-          </a:p>
-        </p:txBody>
-      </p:sp>
+      <p:pic>
+        <p:nvPicPr>
+          <p:cNvPr id="9" name="Picture 8" descr="A picture containing screenshot&#10;&#10;Description automatically generated">
+            <a:extLst>
+              <a:ext uri="{FF2B5EF4-FFF2-40B4-BE49-F238E27FC236}">
+                <a16:creationId xmlns:a16="http://schemas.microsoft.com/office/drawing/2014/main" id="{8E2A49D1-6BB6-7F49-80EE-F2CC7BE32D25}"/>
+              </a:ext>
+            </a:extLst>
+          </p:cNvPr>
+          <p:cNvPicPr>
+            <a:picLocks noChangeAspect="1"/>
+          </p:cNvPicPr>
+          <p:nvPr/>
+        </p:nvPicPr>
+        <p:blipFill>
+          <a:blip r:embed="rId2"/>
+          <a:stretch>
+            <a:fillRect/>
+          </a:stretch>
+        </p:blipFill>
+        <p:spPr>
+          <a:xfrm>
+            <a:off x="184150" y="0"/>
+            <a:ext cx="11823700" cy="6705600"/>
+          </a:xfrm>
+          <a:prstGeom prst="rect">
+            <a:avLst/>
+          </a:prstGeom>
+        </p:spPr>
+      </p:pic>
     </p:spTree>
     <p:extLst>
       <p:ext uri="{BB962C8B-B14F-4D97-AF65-F5344CB8AC3E}">
-        <p14:creationId xmlns:p14="http://schemas.microsoft.com/office/powerpoint/2010/main" val="204335413"/>
+        <p14:creationId xmlns:p14="http://schemas.microsoft.com/office/powerpoint/2010/main" val="3347057087"/>
       </p:ext>
     </p:extLst>
   </p:cSld>
